--- a/# lecture_slides/ch06/ch06_Data_Structure.pptx
+++ b/# lecture_slides/ch06/ch06_Data_Structure.pptx
@@ -52,7 +52,7 @@
   <p:notesSz cx="6805613" cy="9939338"/>
   <p:embeddedFontLst>
     <p:embeddedFont>
-      <p:font typeface="맑은 고딕" panose="020B0503020000020004" pitchFamily="50" charset="-127"/>
+      <p:font typeface="맑은 고딕" pitchFamily="50" charset="-127"/>
       <p:regular r:id="rId40"/>
       <p:bold r:id="rId41"/>
     </p:embeddedFont>
@@ -154,7 +154,7 @@
   </p:defaultTextStyle>
   <p:extLst>
     <p:ext uri="{EFAFB233-063F-42B5-8137-9DF3F51BA10A}">
-      <p15:sldGuideLst xmlns:p15="http://schemas.microsoft.com/office/powerpoint/2012/main">
+      <p15:sldGuideLst xmlns="" xmlns:p15="http://schemas.microsoft.com/office/powerpoint/2012/main">
         <p15:guide id="1" orient="horz" pos="2166">
           <p15:clr>
             <a:srgbClr val="A4A3A4"/>
@@ -238,7 +238,7 @@
       </p15:sldGuideLst>
     </p:ext>
     <p:ext uri="{2D200454-40CA-4A62-9FC3-DE9A4176ACB9}">
-      <p15:notesGuideLst xmlns:p15="http://schemas.microsoft.com/office/powerpoint/2012/main">
+      <p15:notesGuideLst xmlns="" xmlns:p15="http://schemas.microsoft.com/office/powerpoint/2012/main">
         <p15:guide id="1" orient="horz" pos="3131">
           <p15:clr>
             <a:srgbClr val="A4A3A4"/>
@@ -338,7 +338,7 @@
             <a:fld id="{207F23D9-DF40-4811-9C78-A2E2A32398DD}" type="datetimeFigureOut">
               <a:rPr lang="ko-KR" altLang="en-US" smtClean="0"/>
               <a:pPr/>
-              <a:t>2017-01-02</a:t>
+              <a:t>2018-06-13</a:t>
             </a:fld>
             <a:endParaRPr lang="ko-KR" altLang="en-US"/>
           </a:p>
@@ -414,7 +414,7 @@
     </p:spTree>
     <p:extLst>
       <p:ext uri="{BB962C8B-B14F-4D97-AF65-F5344CB8AC3E}">
-        <p14:creationId xmlns:p14="http://schemas.microsoft.com/office/powerpoint/2010/main" val="2891599686"/>
+        <p14:creationId xmlns="" xmlns:p14="http://schemas.microsoft.com/office/powerpoint/2010/main" val="2891599686"/>
       </p:ext>
     </p:extLst>
   </p:cSld>
@@ -505,7 +505,7 @@
             <a:fld id="{F3AF6795-A612-454E-AF7A-9192B1BEBB13}" type="datetimeFigureOut">
               <a:rPr lang="ko-KR" altLang="en-US" smtClean="0"/>
               <a:pPr/>
-              <a:t>2017-01-02</a:t>
+              <a:t>2018-06-13</a:t>
             </a:fld>
             <a:endParaRPr lang="ko-KR" altLang="en-US"/>
           </a:p>
@@ -676,7 +676,7 @@
     </p:spTree>
     <p:extLst>
       <p:ext uri="{BB962C8B-B14F-4D97-AF65-F5344CB8AC3E}">
-        <p14:creationId xmlns:p14="http://schemas.microsoft.com/office/powerpoint/2010/main" val="1587304990"/>
+        <p14:creationId xmlns="" xmlns:p14="http://schemas.microsoft.com/office/powerpoint/2010/main" val="1587304990"/>
       </p:ext>
     </p:extLst>
   </p:cSld>
@@ -853,7 +853,7 @@
     </p:spTree>
     <p:extLst>
       <p:ext uri="{BB962C8B-B14F-4D97-AF65-F5344CB8AC3E}">
-        <p14:creationId xmlns:p14="http://schemas.microsoft.com/office/powerpoint/2010/main" val="23495583"/>
+        <p14:creationId xmlns="" xmlns:p14="http://schemas.microsoft.com/office/powerpoint/2010/main" val="23495583"/>
       </p:ext>
     </p:extLst>
   </p:cSld>
@@ -938,7 +938,7 @@
     </p:spTree>
     <p:extLst>
       <p:ext uri="{BB962C8B-B14F-4D97-AF65-F5344CB8AC3E}">
-        <p14:creationId xmlns:p14="http://schemas.microsoft.com/office/powerpoint/2010/main" val="2624184228"/>
+        <p14:creationId xmlns="" xmlns:p14="http://schemas.microsoft.com/office/powerpoint/2010/main" val="2624184228"/>
       </p:ext>
     </p:extLst>
   </p:cSld>
@@ -1023,7 +1023,7 @@
     </p:spTree>
     <p:extLst>
       <p:ext uri="{BB962C8B-B14F-4D97-AF65-F5344CB8AC3E}">
-        <p14:creationId xmlns:p14="http://schemas.microsoft.com/office/powerpoint/2010/main" val="3468889313"/>
+        <p14:creationId xmlns="" xmlns:p14="http://schemas.microsoft.com/office/powerpoint/2010/main" val="3468889313"/>
       </p:ext>
     </p:extLst>
   </p:cSld>
@@ -1108,7 +1108,7 @@
     </p:spTree>
     <p:extLst>
       <p:ext uri="{BB962C8B-B14F-4D97-AF65-F5344CB8AC3E}">
-        <p14:creationId xmlns:p14="http://schemas.microsoft.com/office/powerpoint/2010/main" val="3560680892"/>
+        <p14:creationId xmlns="" xmlns:p14="http://schemas.microsoft.com/office/powerpoint/2010/main" val="3560680892"/>
       </p:ext>
     </p:extLst>
   </p:cSld>
@@ -1193,7 +1193,7 @@
     </p:spTree>
     <p:extLst>
       <p:ext uri="{BB962C8B-B14F-4D97-AF65-F5344CB8AC3E}">
-        <p14:creationId xmlns:p14="http://schemas.microsoft.com/office/powerpoint/2010/main" val="530870000"/>
+        <p14:creationId xmlns="" xmlns:p14="http://schemas.microsoft.com/office/powerpoint/2010/main" val="530870000"/>
       </p:ext>
     </p:extLst>
   </p:cSld>
@@ -1280,7 +1280,7 @@
     </p:spTree>
     <p:extLst>
       <p:ext uri="{BB962C8B-B14F-4D97-AF65-F5344CB8AC3E}">
-        <p14:creationId xmlns:p14="http://schemas.microsoft.com/office/powerpoint/2010/main" val="2849053312"/>
+        <p14:creationId xmlns="" xmlns:p14="http://schemas.microsoft.com/office/powerpoint/2010/main" val="2849053312"/>
       </p:ext>
     </p:extLst>
   </p:cSld>
@@ -1365,7 +1365,7 @@
     </p:spTree>
     <p:extLst>
       <p:ext uri="{BB962C8B-B14F-4D97-AF65-F5344CB8AC3E}">
-        <p14:creationId xmlns:p14="http://schemas.microsoft.com/office/powerpoint/2010/main" val="3098663927"/>
+        <p14:creationId xmlns="" xmlns:p14="http://schemas.microsoft.com/office/powerpoint/2010/main" val="3098663927"/>
       </p:ext>
     </p:extLst>
   </p:cSld>
@@ -1450,7 +1450,7 @@
     </p:spTree>
     <p:extLst>
       <p:ext uri="{BB962C8B-B14F-4D97-AF65-F5344CB8AC3E}">
-        <p14:creationId xmlns:p14="http://schemas.microsoft.com/office/powerpoint/2010/main" val="515363834"/>
+        <p14:creationId xmlns="" xmlns:p14="http://schemas.microsoft.com/office/powerpoint/2010/main" val="515363834"/>
       </p:ext>
     </p:extLst>
   </p:cSld>
@@ -1535,7 +1535,7 @@
     </p:spTree>
     <p:extLst>
       <p:ext uri="{BB962C8B-B14F-4D97-AF65-F5344CB8AC3E}">
-        <p14:creationId xmlns:p14="http://schemas.microsoft.com/office/powerpoint/2010/main" val="3281423316"/>
+        <p14:creationId xmlns="" xmlns:p14="http://schemas.microsoft.com/office/powerpoint/2010/main" val="3281423316"/>
       </p:ext>
     </p:extLst>
   </p:cSld>
@@ -1620,7 +1620,7 @@
     </p:spTree>
     <p:extLst>
       <p:ext uri="{BB962C8B-B14F-4D97-AF65-F5344CB8AC3E}">
-        <p14:creationId xmlns:p14="http://schemas.microsoft.com/office/powerpoint/2010/main" val="3077817570"/>
+        <p14:creationId xmlns="" xmlns:p14="http://schemas.microsoft.com/office/powerpoint/2010/main" val="3077817570"/>
       </p:ext>
     </p:extLst>
   </p:cSld>
@@ -1705,7 +1705,7 @@
     </p:spTree>
     <p:extLst>
       <p:ext uri="{BB962C8B-B14F-4D97-AF65-F5344CB8AC3E}">
-        <p14:creationId xmlns:p14="http://schemas.microsoft.com/office/powerpoint/2010/main" val="2857806152"/>
+        <p14:creationId xmlns="" xmlns:p14="http://schemas.microsoft.com/office/powerpoint/2010/main" val="2857806152"/>
       </p:ext>
     </p:extLst>
   </p:cSld>
@@ -1792,7 +1792,7 @@
     </p:spTree>
     <p:extLst>
       <p:ext uri="{BB962C8B-B14F-4D97-AF65-F5344CB8AC3E}">
-        <p14:creationId xmlns:p14="http://schemas.microsoft.com/office/powerpoint/2010/main" val="912709166"/>
+        <p14:creationId xmlns="" xmlns:p14="http://schemas.microsoft.com/office/powerpoint/2010/main" val="912709166"/>
       </p:ext>
     </p:extLst>
   </p:cSld>
@@ -1877,7 +1877,7 @@
     </p:spTree>
     <p:extLst>
       <p:ext uri="{BB962C8B-B14F-4D97-AF65-F5344CB8AC3E}">
-        <p14:creationId xmlns:p14="http://schemas.microsoft.com/office/powerpoint/2010/main" val="4218184236"/>
+        <p14:creationId xmlns="" xmlns:p14="http://schemas.microsoft.com/office/powerpoint/2010/main" val="4218184236"/>
       </p:ext>
     </p:extLst>
   </p:cSld>
@@ -1962,7 +1962,7 @@
     </p:spTree>
     <p:extLst>
       <p:ext uri="{BB962C8B-B14F-4D97-AF65-F5344CB8AC3E}">
-        <p14:creationId xmlns:p14="http://schemas.microsoft.com/office/powerpoint/2010/main" val="955052508"/>
+        <p14:creationId xmlns="" xmlns:p14="http://schemas.microsoft.com/office/powerpoint/2010/main" val="955052508"/>
       </p:ext>
     </p:extLst>
   </p:cSld>
@@ -2047,7 +2047,7 @@
     </p:spTree>
     <p:extLst>
       <p:ext uri="{BB962C8B-B14F-4D97-AF65-F5344CB8AC3E}">
-        <p14:creationId xmlns:p14="http://schemas.microsoft.com/office/powerpoint/2010/main" val="1405334445"/>
+        <p14:creationId xmlns="" xmlns:p14="http://schemas.microsoft.com/office/powerpoint/2010/main" val="1405334445"/>
       </p:ext>
     </p:extLst>
   </p:cSld>
@@ -2132,7 +2132,7 @@
     </p:spTree>
     <p:extLst>
       <p:ext uri="{BB962C8B-B14F-4D97-AF65-F5344CB8AC3E}">
-        <p14:creationId xmlns:p14="http://schemas.microsoft.com/office/powerpoint/2010/main" val="4113763598"/>
+        <p14:creationId xmlns="" xmlns:p14="http://schemas.microsoft.com/office/powerpoint/2010/main" val="4113763598"/>
       </p:ext>
     </p:extLst>
   </p:cSld>
@@ -2217,7 +2217,7 @@
     </p:spTree>
     <p:extLst>
       <p:ext uri="{BB962C8B-B14F-4D97-AF65-F5344CB8AC3E}">
-        <p14:creationId xmlns:p14="http://schemas.microsoft.com/office/powerpoint/2010/main" val="1945054410"/>
+        <p14:creationId xmlns="" xmlns:p14="http://schemas.microsoft.com/office/powerpoint/2010/main" val="1945054410"/>
       </p:ext>
     </p:extLst>
   </p:cSld>
@@ -2302,7 +2302,7 @@
     </p:spTree>
     <p:extLst>
       <p:ext uri="{BB962C8B-B14F-4D97-AF65-F5344CB8AC3E}">
-        <p14:creationId xmlns:p14="http://schemas.microsoft.com/office/powerpoint/2010/main" val="3293428977"/>
+        <p14:creationId xmlns="" xmlns:p14="http://schemas.microsoft.com/office/powerpoint/2010/main" val="3293428977"/>
       </p:ext>
     </p:extLst>
   </p:cSld>
@@ -2387,7 +2387,7 @@
     </p:spTree>
     <p:extLst>
       <p:ext uri="{BB962C8B-B14F-4D97-AF65-F5344CB8AC3E}">
-        <p14:creationId xmlns:p14="http://schemas.microsoft.com/office/powerpoint/2010/main" val="1074460675"/>
+        <p14:creationId xmlns="" xmlns:p14="http://schemas.microsoft.com/office/powerpoint/2010/main" val="1074460675"/>
       </p:ext>
     </p:extLst>
   </p:cSld>
@@ -2472,7 +2472,7 @@
     </p:spTree>
     <p:extLst>
       <p:ext uri="{BB962C8B-B14F-4D97-AF65-F5344CB8AC3E}">
-        <p14:creationId xmlns:p14="http://schemas.microsoft.com/office/powerpoint/2010/main" val="841776541"/>
+        <p14:creationId xmlns="" xmlns:p14="http://schemas.microsoft.com/office/powerpoint/2010/main" val="841776541"/>
       </p:ext>
     </p:extLst>
   </p:cSld>
@@ -2557,7 +2557,7 @@
     </p:spTree>
     <p:extLst>
       <p:ext uri="{BB962C8B-B14F-4D97-AF65-F5344CB8AC3E}">
-        <p14:creationId xmlns:p14="http://schemas.microsoft.com/office/powerpoint/2010/main" val="2192164484"/>
+        <p14:creationId xmlns="" xmlns:p14="http://schemas.microsoft.com/office/powerpoint/2010/main" val="2192164484"/>
       </p:ext>
     </p:extLst>
   </p:cSld>
@@ -2642,7 +2642,7 @@
     </p:spTree>
     <p:extLst>
       <p:ext uri="{BB962C8B-B14F-4D97-AF65-F5344CB8AC3E}">
-        <p14:creationId xmlns:p14="http://schemas.microsoft.com/office/powerpoint/2010/main" val="517828127"/>
+        <p14:creationId xmlns="" xmlns:p14="http://schemas.microsoft.com/office/powerpoint/2010/main" val="517828127"/>
       </p:ext>
     </p:extLst>
   </p:cSld>
@@ -2727,7 +2727,7 @@
     </p:spTree>
     <p:extLst>
       <p:ext uri="{BB962C8B-B14F-4D97-AF65-F5344CB8AC3E}">
-        <p14:creationId xmlns:p14="http://schemas.microsoft.com/office/powerpoint/2010/main" val="4067250626"/>
+        <p14:creationId xmlns="" xmlns:p14="http://schemas.microsoft.com/office/powerpoint/2010/main" val="4067250626"/>
       </p:ext>
     </p:extLst>
   </p:cSld>
@@ -2812,7 +2812,7 @@
     </p:spTree>
     <p:extLst>
       <p:ext uri="{BB962C8B-B14F-4D97-AF65-F5344CB8AC3E}">
-        <p14:creationId xmlns:p14="http://schemas.microsoft.com/office/powerpoint/2010/main" val="495676446"/>
+        <p14:creationId xmlns="" xmlns:p14="http://schemas.microsoft.com/office/powerpoint/2010/main" val="495676446"/>
       </p:ext>
     </p:extLst>
   </p:cSld>
@@ -2899,7 +2899,7 @@
     </p:spTree>
     <p:extLst>
       <p:ext uri="{BB962C8B-B14F-4D97-AF65-F5344CB8AC3E}">
-        <p14:creationId xmlns:p14="http://schemas.microsoft.com/office/powerpoint/2010/main" val="3991443383"/>
+        <p14:creationId xmlns="" xmlns:p14="http://schemas.microsoft.com/office/powerpoint/2010/main" val="3991443383"/>
       </p:ext>
     </p:extLst>
   </p:cSld>
@@ -2984,7 +2984,7 @@
     </p:spTree>
     <p:extLst>
       <p:ext uri="{BB962C8B-B14F-4D97-AF65-F5344CB8AC3E}">
-        <p14:creationId xmlns:p14="http://schemas.microsoft.com/office/powerpoint/2010/main" val="2281647634"/>
+        <p14:creationId xmlns="" xmlns:p14="http://schemas.microsoft.com/office/powerpoint/2010/main" val="2281647634"/>
       </p:ext>
     </p:extLst>
   </p:cSld>
@@ -3069,7 +3069,7 @@
     </p:spTree>
     <p:extLst>
       <p:ext uri="{BB962C8B-B14F-4D97-AF65-F5344CB8AC3E}">
-        <p14:creationId xmlns:p14="http://schemas.microsoft.com/office/powerpoint/2010/main" val="2377118821"/>
+        <p14:creationId xmlns="" xmlns:p14="http://schemas.microsoft.com/office/powerpoint/2010/main" val="2377118821"/>
       </p:ext>
     </p:extLst>
   </p:cSld>
@@ -3154,7 +3154,7 @@
     </p:spTree>
     <p:extLst>
       <p:ext uri="{BB962C8B-B14F-4D97-AF65-F5344CB8AC3E}">
-        <p14:creationId xmlns:p14="http://schemas.microsoft.com/office/powerpoint/2010/main" val="1121836222"/>
+        <p14:creationId xmlns="" xmlns:p14="http://schemas.microsoft.com/office/powerpoint/2010/main" val="1121836222"/>
       </p:ext>
     </p:extLst>
   </p:cSld>
@@ -3239,7 +3239,7 @@
     </p:spTree>
     <p:extLst>
       <p:ext uri="{BB962C8B-B14F-4D97-AF65-F5344CB8AC3E}">
-        <p14:creationId xmlns:p14="http://schemas.microsoft.com/office/powerpoint/2010/main" val="13320432"/>
+        <p14:creationId xmlns="" xmlns:p14="http://schemas.microsoft.com/office/powerpoint/2010/main" val="13320432"/>
       </p:ext>
     </p:extLst>
   </p:cSld>
@@ -3326,7 +3326,7 @@
     </p:spTree>
     <p:extLst>
       <p:ext uri="{BB962C8B-B14F-4D97-AF65-F5344CB8AC3E}">
-        <p14:creationId xmlns:p14="http://schemas.microsoft.com/office/powerpoint/2010/main" val="289883203"/>
+        <p14:creationId xmlns="" xmlns:p14="http://schemas.microsoft.com/office/powerpoint/2010/main" val="289883203"/>
       </p:ext>
     </p:extLst>
   </p:cSld>
@@ -3411,7 +3411,7 @@
     </p:spTree>
     <p:extLst>
       <p:ext uri="{BB962C8B-B14F-4D97-AF65-F5344CB8AC3E}">
-        <p14:creationId xmlns:p14="http://schemas.microsoft.com/office/powerpoint/2010/main" val="4254802545"/>
+        <p14:creationId xmlns="" xmlns:p14="http://schemas.microsoft.com/office/powerpoint/2010/main" val="4254802545"/>
       </p:ext>
     </p:extLst>
   </p:cSld>
@@ -3496,7 +3496,7 @@
     </p:spTree>
     <p:extLst>
       <p:ext uri="{BB962C8B-B14F-4D97-AF65-F5344CB8AC3E}">
-        <p14:creationId xmlns:p14="http://schemas.microsoft.com/office/powerpoint/2010/main" val="1552989242"/>
+        <p14:creationId xmlns="" xmlns:p14="http://schemas.microsoft.com/office/powerpoint/2010/main" val="1552989242"/>
       </p:ext>
     </p:extLst>
   </p:cSld>
@@ -3581,7 +3581,7 @@
     </p:spTree>
     <p:extLst>
       <p:ext uri="{BB962C8B-B14F-4D97-AF65-F5344CB8AC3E}">
-        <p14:creationId xmlns:p14="http://schemas.microsoft.com/office/powerpoint/2010/main" val="791418332"/>
+        <p14:creationId xmlns="" xmlns:p14="http://schemas.microsoft.com/office/powerpoint/2010/main" val="791418332"/>
       </p:ext>
     </p:extLst>
   </p:cSld>
@@ -3666,7 +3666,7 @@
     </p:spTree>
     <p:extLst>
       <p:ext uri="{BB962C8B-B14F-4D97-AF65-F5344CB8AC3E}">
-        <p14:creationId xmlns:p14="http://schemas.microsoft.com/office/powerpoint/2010/main" val="3140986793"/>
+        <p14:creationId xmlns="" xmlns:p14="http://schemas.microsoft.com/office/powerpoint/2010/main" val="3140986793"/>
       </p:ext>
     </p:extLst>
   </p:cSld>
@@ -3751,7 +3751,7 @@
     </p:spTree>
     <p:extLst>
       <p:ext uri="{BB962C8B-B14F-4D97-AF65-F5344CB8AC3E}">
-        <p14:creationId xmlns:p14="http://schemas.microsoft.com/office/powerpoint/2010/main" val="206234083"/>
+        <p14:creationId xmlns="" xmlns:p14="http://schemas.microsoft.com/office/powerpoint/2010/main" val="206234083"/>
       </p:ext>
     </p:extLst>
   </p:cSld>
@@ -3836,7 +3836,7 @@
     </p:spTree>
     <p:extLst>
       <p:ext uri="{BB962C8B-B14F-4D97-AF65-F5344CB8AC3E}">
-        <p14:creationId xmlns:p14="http://schemas.microsoft.com/office/powerpoint/2010/main" val="1267594226"/>
+        <p14:creationId xmlns="" xmlns:p14="http://schemas.microsoft.com/office/powerpoint/2010/main" val="1267594226"/>
       </p:ext>
     </p:extLst>
   </p:cSld>
@@ -4346,7 +4346,7 @@
             <a:fld id="{8761FD00-3F21-42CF-9EF5-8F6D81CE3AFD}" type="datetimeFigureOut">
               <a:rPr lang="ko-KR" altLang="en-US" smtClean="0"/>
               <a:pPr/>
-              <a:t>2017-01-02</a:t>
+              <a:t>2018-06-13</a:t>
             </a:fld>
             <a:endParaRPr lang="ko-KR" altLang="en-US"/>
           </a:p>
@@ -5092,7 +5092,7 @@
             <a:fld id="{8761FD00-3F21-42CF-9EF5-8F6D81CE3AFD}" type="datetimeFigureOut">
               <a:rPr lang="ko-KR" altLang="en-US" smtClean="0"/>
               <a:pPr/>
-              <a:t>2017-01-02</a:t>
+              <a:t>2018-06-13</a:t>
             </a:fld>
             <a:endParaRPr lang="ko-KR" altLang="en-US"/>
           </a:p>
@@ -5405,7 +5405,7 @@
             <a:fld id="{8761FD00-3F21-42CF-9EF5-8F6D81CE3AFD}" type="datetimeFigureOut">
               <a:rPr lang="ko-KR" altLang="en-US" smtClean="0"/>
               <a:pPr/>
-              <a:t>2017-01-02</a:t>
+              <a:t>2018-06-13</a:t>
             </a:fld>
             <a:endParaRPr lang="ko-KR" altLang="en-US"/>
           </a:p>
@@ -5660,7 +5660,7 @@
             <a:fld id="{8761FD00-3F21-42CF-9EF5-8F6D81CE3AFD}" type="datetimeFigureOut">
               <a:rPr lang="ko-KR" altLang="en-US" smtClean="0"/>
               <a:pPr/>
-              <a:t>2017-01-02</a:t>
+              <a:t>2018-06-13</a:t>
             </a:fld>
             <a:endParaRPr lang="ko-KR" altLang="en-US" dirty="0"/>
           </a:p>
@@ -5886,7 +5886,7 @@
             <a:fld id="{8761FD00-3F21-42CF-9EF5-8F6D81CE3AFD}" type="datetimeFigureOut">
               <a:rPr lang="ko-KR" altLang="en-US" smtClean="0"/>
               <a:pPr/>
-              <a:t>2017-01-02</a:t>
+              <a:t>2018-06-13</a:t>
             </a:fld>
             <a:endParaRPr lang="ko-KR" altLang="en-US" dirty="0"/>
           </a:p>
@@ -6112,7 +6112,7 @@
             <a:fld id="{8761FD00-3F21-42CF-9EF5-8F6D81CE3AFD}" type="datetimeFigureOut">
               <a:rPr lang="ko-KR" altLang="en-US" smtClean="0"/>
               <a:pPr/>
-              <a:t>2017-01-02</a:t>
+              <a:t>2018-06-13</a:t>
             </a:fld>
             <a:endParaRPr lang="ko-KR" altLang="en-US" dirty="0"/>
           </a:p>
@@ -7335,7 +7335,7 @@
             <a:blip r:embed="rId5" cstate="print">
               <a:extLst>
                 <a:ext uri="{28A0092B-C50C-407E-A947-70E740481C1C}">
-                  <a14:useLocalDpi xmlns:a14="http://schemas.microsoft.com/office/drawing/2010/main" val="0"/>
+                  <a14:useLocalDpi xmlns="" xmlns:a14="http://schemas.microsoft.com/office/drawing/2010/main" val="0"/>
                 </a:ext>
               </a:extLst>
             </a:blip>
@@ -7355,7 +7355,7 @@
             <a:noFill/>
             <a:extLst>
               <a:ext uri="{909E8E84-426E-40DD-AFC4-6F175D3DCCD1}">
-                <a14:hiddenFill xmlns:a14="http://schemas.microsoft.com/office/drawing/2010/main">
+                <a14:hiddenFill xmlns="" xmlns:a14="http://schemas.microsoft.com/office/drawing/2010/main">
                   <a:solidFill>
                     <a:srgbClr val="FFFFFF"/>
                   </a:solidFill>
@@ -7539,7 +7539,7 @@
     </p:spTree>
     <p:extLst>
       <p:ext uri="{BB962C8B-B14F-4D97-AF65-F5344CB8AC3E}">
-        <p14:creationId xmlns:p14="http://schemas.microsoft.com/office/powerpoint/2010/main" val="2018101962"/>
+        <p14:creationId xmlns="" xmlns:p14="http://schemas.microsoft.com/office/powerpoint/2010/main" val="2018101962"/>
       </p:ext>
     </p:extLst>
   </p:cSld>
@@ -8059,7 +8059,7 @@
             <a:blip r:embed="rId5" cstate="print">
               <a:extLst>
                 <a:ext uri="{28A0092B-C50C-407E-A947-70E740481C1C}">
-                  <a14:useLocalDpi xmlns:a14="http://schemas.microsoft.com/office/drawing/2010/main" val="0"/>
+                  <a14:useLocalDpi xmlns="" xmlns:a14="http://schemas.microsoft.com/office/drawing/2010/main" val="0"/>
                 </a:ext>
               </a:extLst>
             </a:blip>
@@ -8079,7 +8079,7 @@
             <a:noFill/>
             <a:extLst>
               <a:ext uri="{909E8E84-426E-40DD-AFC4-6F175D3DCCD1}">
-                <a14:hiddenFill xmlns:a14="http://schemas.microsoft.com/office/drawing/2010/main">
+                <a14:hiddenFill xmlns="" xmlns:a14="http://schemas.microsoft.com/office/drawing/2010/main">
                   <a:solidFill>
                     <a:srgbClr val="FFFFFF"/>
                   </a:solidFill>
@@ -8541,7 +8541,7 @@
           <a:blip r:embed="rId9" cstate="print">
             <a:extLst>
               <a:ext uri="{28A0092B-C50C-407E-A947-70E740481C1C}">
-                <a14:useLocalDpi xmlns:a14="http://schemas.microsoft.com/office/drawing/2010/main" val="0"/>
+                <a14:useLocalDpi xmlns="" xmlns:a14="http://schemas.microsoft.com/office/drawing/2010/main" val="0"/>
               </a:ext>
             </a:extLst>
           </a:blip>
@@ -8561,7 +8561,7 @@
           <a:noFill/>
           <a:extLst>
             <a:ext uri="{909E8E84-426E-40DD-AFC4-6F175D3DCCD1}">
-              <a14:hiddenFill xmlns:a14="http://schemas.microsoft.com/office/drawing/2010/main">
+              <a14:hiddenFill xmlns="" xmlns:a14="http://schemas.microsoft.com/office/drawing/2010/main">
                 <a:solidFill>
                   <a:srgbClr val="FFFFFF"/>
                 </a:solidFill>
@@ -8579,10 +8579,10 @@
           <p:nvPr/>
         </p:nvPicPr>
         <p:blipFill>
-          <a:blip r:embed="rId9" cstate="print">
+          <a:blip r:embed="rId10" cstate="print">
             <a:extLst>
               <a:ext uri="{28A0092B-C50C-407E-A947-70E740481C1C}">
-                <a14:useLocalDpi xmlns:a14="http://schemas.microsoft.com/office/drawing/2010/main" val="0"/>
+                <a14:useLocalDpi xmlns="" xmlns:a14="http://schemas.microsoft.com/office/drawing/2010/main" val="0"/>
               </a:ext>
             </a:extLst>
           </a:blip>
@@ -8602,7 +8602,7 @@
           <a:noFill/>
           <a:extLst>
             <a:ext uri="{909E8E84-426E-40DD-AFC4-6F175D3DCCD1}">
-              <a14:hiddenFill xmlns:a14="http://schemas.microsoft.com/office/drawing/2010/main">
+              <a14:hiddenFill xmlns="" xmlns:a14="http://schemas.microsoft.com/office/drawing/2010/main">
                 <a:solidFill>
                   <a:srgbClr val="FFFFFF"/>
                 </a:solidFill>
@@ -8696,7 +8696,7 @@
     </p:spTree>
     <p:extLst>
       <p:ext uri="{BB962C8B-B14F-4D97-AF65-F5344CB8AC3E}">
-        <p14:creationId xmlns:p14="http://schemas.microsoft.com/office/powerpoint/2010/main" val="4098310850"/>
+        <p14:creationId xmlns="" xmlns:p14="http://schemas.microsoft.com/office/powerpoint/2010/main" val="4098310850"/>
       </p:ext>
     </p:extLst>
   </p:cSld>
@@ -9102,7 +9102,7 @@
           <a:blip r:embed="rId3">
             <a:extLst>
               <a:ext uri="{28A0092B-C50C-407E-A947-70E740481C1C}">
-                <a14:useLocalDpi xmlns:a14="http://schemas.microsoft.com/office/drawing/2010/main" val="0"/>
+                <a14:useLocalDpi xmlns="" xmlns:a14="http://schemas.microsoft.com/office/drawing/2010/main" val="0"/>
               </a:ext>
             </a:extLst>
           </a:blip>
@@ -9122,7 +9122,7 @@
           <a:noFill/>
           <a:extLst>
             <a:ext uri="{909E8E84-426E-40DD-AFC4-6F175D3DCCD1}">
-              <a14:hiddenFill xmlns:a14="http://schemas.microsoft.com/office/drawing/2010/main">
+              <a14:hiddenFill xmlns="" xmlns:a14="http://schemas.microsoft.com/office/drawing/2010/main">
                 <a:solidFill>
                   <a:srgbClr val="FFFFFF"/>
                 </a:solidFill>
@@ -9143,7 +9143,7 @@
           <a:blip r:embed="rId4">
             <a:extLst>
               <a:ext uri="{28A0092B-C50C-407E-A947-70E740481C1C}">
-                <a14:useLocalDpi xmlns:a14="http://schemas.microsoft.com/office/drawing/2010/main" val="0"/>
+                <a14:useLocalDpi xmlns="" xmlns:a14="http://schemas.microsoft.com/office/drawing/2010/main" val="0"/>
               </a:ext>
             </a:extLst>
           </a:blip>
@@ -9163,7 +9163,7 @@
           <a:noFill/>
           <a:extLst>
             <a:ext uri="{909E8E84-426E-40DD-AFC4-6F175D3DCCD1}">
-              <a14:hiddenFill xmlns:a14="http://schemas.microsoft.com/office/drawing/2010/main">
+              <a14:hiddenFill xmlns="" xmlns:a14="http://schemas.microsoft.com/office/drawing/2010/main">
                 <a:solidFill>
                   <a:srgbClr val="FFFFFF"/>
                 </a:solidFill>
@@ -9175,7 +9175,7 @@
     </p:spTree>
     <p:extLst>
       <p:ext uri="{BB962C8B-B14F-4D97-AF65-F5344CB8AC3E}">
-        <p14:creationId xmlns:p14="http://schemas.microsoft.com/office/powerpoint/2010/main" val="3984722418"/>
+        <p14:creationId xmlns="" xmlns:p14="http://schemas.microsoft.com/office/powerpoint/2010/main" val="3984722418"/>
       </p:ext>
     </p:extLst>
   </p:cSld>
@@ -9605,7 +9605,7 @@
     </p:spTree>
     <p:extLst>
       <p:ext uri="{BB962C8B-B14F-4D97-AF65-F5344CB8AC3E}">
-        <p14:creationId xmlns:p14="http://schemas.microsoft.com/office/powerpoint/2010/main" val="1029017755"/>
+        <p14:creationId xmlns="" xmlns:p14="http://schemas.microsoft.com/office/powerpoint/2010/main" val="1029017755"/>
       </p:ext>
     </p:extLst>
   </p:cSld>
@@ -9721,7 +9721,7 @@
     </p:spTree>
     <p:extLst>
       <p:ext uri="{BB962C8B-B14F-4D97-AF65-F5344CB8AC3E}">
-        <p14:creationId xmlns:p14="http://schemas.microsoft.com/office/powerpoint/2010/main" val="841664114"/>
+        <p14:creationId xmlns="" xmlns:p14="http://schemas.microsoft.com/office/powerpoint/2010/main" val="841664114"/>
       </p:ext>
     </p:extLst>
   </p:cSld>
@@ -10239,7 +10239,7 @@
               <a:t>List </a:t>
             </a:r>
             <a:r>
-              <a:rPr lang="ko-KR" altLang="en-US" sz="1600" spc="-150" dirty="0" err="1" smtClean="0">
+              <a:rPr lang="ko-KR" altLang="en-US" sz="1600" spc="-150" dirty="0" smtClean="0">
                 <a:ln w="0"/>
                 <a:effectLst>
                   <a:outerShdw blurRad="38100" dist="19050" dir="2700000" algn="tl" rotWithShape="0">
@@ -10250,21 +10250,7 @@
                 </a:effectLst>
                 <a:ea typeface="맑은 고딕" panose="020B0503020000020004" pitchFamily="50" charset="-127"/>
               </a:rPr>
-              <a:t>초기화시</a:t>
-            </a:r>
-            <a:r>
-              <a:rPr lang="ko-KR" altLang="en-US" sz="1600" spc="-150" dirty="0" smtClean="0">
-                <a:ln w="0"/>
-                <a:effectLst>
-                  <a:outerShdw blurRad="38100" dist="19050" dir="2700000" algn="tl" rotWithShape="0">
-                    <a:schemeClr val="dk1">
-                      <a:alpha val="40000"/>
-                    </a:schemeClr>
-                  </a:outerShdw>
-                </a:effectLst>
-                <a:ea typeface="맑은 고딕" panose="020B0503020000020004" pitchFamily="50" charset="-127"/>
-              </a:rPr>
-              <a:t> </a:t>
+              <a:t>초기화 시 </a:t>
             </a:r>
             <a:r>
               <a:rPr lang="en-US" altLang="ko-KR" sz="1600" spc="-150" dirty="0" smtClean="0">
@@ -10353,17 +10339,6 @@
               </a:rPr>
               <a:t>sort() </a:t>
             </a:r>
-            <a:endParaRPr lang="en-US" altLang="ko-KR" sz="1600" spc="-150" dirty="0" smtClean="0">
-              <a:ln w="0"/>
-              <a:effectLst>
-                <a:outerShdw blurRad="38100" dist="19050" dir="2700000" algn="tl" rotWithShape="0">
-                  <a:schemeClr val="dk1">
-                    <a:alpha val="40000"/>
-                  </a:schemeClr>
-                </a:outerShdw>
-              </a:effectLst>
-              <a:ea typeface="맑은 고딕" panose="020B0503020000020004" pitchFamily="50" charset="-127"/>
-            </a:endParaRPr>
           </a:p>
           <a:p>
             <a:pPr marL="285750" indent="-285750">
@@ -10425,7 +10400,7 @@
     </p:spTree>
     <p:extLst>
       <p:ext uri="{BB962C8B-B14F-4D97-AF65-F5344CB8AC3E}">
-        <p14:creationId xmlns:p14="http://schemas.microsoft.com/office/powerpoint/2010/main" val="2565110399"/>
+        <p14:creationId xmlns="" xmlns:p14="http://schemas.microsoft.com/office/powerpoint/2010/main" val="2565110399"/>
       </p:ext>
     </p:extLst>
   </p:cSld>
@@ -11522,7 +11497,7 @@
           <a:blip r:embed="rId3">
             <a:extLst>
               <a:ext uri="{28A0092B-C50C-407E-A947-70E740481C1C}">
-                <a14:useLocalDpi xmlns:a14="http://schemas.microsoft.com/office/drawing/2010/main" val="0"/>
+                <a14:useLocalDpi xmlns="" xmlns:a14="http://schemas.microsoft.com/office/drawing/2010/main" val="0"/>
               </a:ext>
             </a:extLst>
           </a:blip>
@@ -11542,7 +11517,7 @@
           <a:noFill/>
           <a:extLst>
             <a:ext uri="{909E8E84-426E-40DD-AFC4-6F175D3DCCD1}">
-              <a14:hiddenFill xmlns:a14="http://schemas.microsoft.com/office/drawing/2010/main">
+              <a14:hiddenFill xmlns="" xmlns:a14="http://schemas.microsoft.com/office/drawing/2010/main">
                 <a:solidFill>
                   <a:srgbClr val="FFFFFF"/>
                 </a:solidFill>
@@ -11563,7 +11538,7 @@
           <a:blip r:embed="rId4">
             <a:extLst>
               <a:ext uri="{28A0092B-C50C-407E-A947-70E740481C1C}">
-                <a14:useLocalDpi xmlns:a14="http://schemas.microsoft.com/office/drawing/2010/main" val="0"/>
+                <a14:useLocalDpi xmlns="" xmlns:a14="http://schemas.microsoft.com/office/drawing/2010/main" val="0"/>
               </a:ext>
             </a:extLst>
           </a:blip>
@@ -11583,7 +11558,7 @@
           <a:noFill/>
           <a:extLst>
             <a:ext uri="{909E8E84-426E-40DD-AFC4-6F175D3DCCD1}">
-              <a14:hiddenFill xmlns:a14="http://schemas.microsoft.com/office/drawing/2010/main">
+              <a14:hiddenFill xmlns="" xmlns:a14="http://schemas.microsoft.com/office/drawing/2010/main">
                 <a:solidFill>
                   <a:srgbClr val="FFFFFF"/>
                 </a:solidFill>
@@ -11726,7 +11701,7 @@
     </p:spTree>
     <p:extLst>
       <p:ext uri="{BB962C8B-B14F-4D97-AF65-F5344CB8AC3E}">
-        <p14:creationId xmlns:p14="http://schemas.microsoft.com/office/powerpoint/2010/main" val="2872719815"/>
+        <p14:creationId xmlns="" xmlns:p14="http://schemas.microsoft.com/office/powerpoint/2010/main" val="2872719815"/>
       </p:ext>
     </p:extLst>
   </p:cSld>
@@ -12454,17 +12429,43 @@
               <a:t>큐는 양쪽 모두 </a:t>
             </a:r>
             <a:r>
-              <a:rPr lang="ko-KR" altLang="en-US" sz="1600" spc="-150" dirty="0" err="1">
-                <a:ln w="0"/>
-                <a:effectLst>
-                  <a:outerShdw blurRad="38100" dist="19050" dir="2700000" algn="tl" rotWithShape="0">
-                    <a:schemeClr val="dk1">
-                      <a:alpha val="40000"/>
-                    </a:schemeClr>
-                  </a:outerShdw>
-                </a:effectLst>
-              </a:rPr>
-              <a:t>뚤려있다</a:t>
+              <a:rPr lang="ko-KR" altLang="en-US" sz="1600" spc="-150" dirty="0" smtClean="0">
+                <a:ln w="0"/>
+                <a:effectLst>
+                  <a:outerShdw blurRad="38100" dist="19050" dir="2700000" algn="tl" rotWithShape="0">
+                    <a:schemeClr val="dk1">
+                      <a:alpha val="40000"/>
+                    </a:schemeClr>
+                  </a:outerShdw>
+                </a:effectLst>
+              </a:rPr>
+              <a:t>뚫</a:t>
+            </a:r>
+            <a:r>
+              <a:rPr lang="ko-KR" altLang="en-US" sz="1600" spc="-150" dirty="0" smtClean="0">
+                <a:ln w="0"/>
+                <a:effectLst>
+                  <a:outerShdw blurRad="38100" dist="19050" dir="2700000" algn="tl" rotWithShape="0">
+                    <a:schemeClr val="dk1">
+                      <a:alpha val="40000"/>
+                    </a:schemeClr>
+                  </a:outerShdw>
+                </a:effectLst>
+              </a:rPr>
+              <a:t>려</a:t>
+            </a:r>
+            <a:r>
+              <a:rPr lang="ko-KR" altLang="en-US" sz="1600" spc="-150" dirty="0" smtClean="0">
+                <a:ln w="0"/>
+                <a:effectLst>
+                  <a:outerShdw blurRad="38100" dist="19050" dir="2700000" algn="tl" rotWithShape="0">
+                    <a:schemeClr val="dk1">
+                      <a:alpha val="40000"/>
+                    </a:schemeClr>
+                  </a:outerShdw>
+                </a:effectLst>
+              </a:rPr>
+              <a:t>있다</a:t>
             </a:r>
             <a:r>
               <a:rPr lang="en-US" altLang="ko-KR" sz="1600" spc="-150" dirty="0">
@@ -12548,30 +12549,17 @@
               <a:t>, </a:t>
             </a:r>
             <a:r>
-              <a:rPr lang="ko-KR" altLang="en-US" sz="1600" spc="-150" dirty="0" err="1">
-                <a:ln w="0"/>
-                <a:effectLst>
-                  <a:outerShdw blurRad="38100" dist="19050" dir="2700000" algn="tl" rotWithShape="0">
-                    <a:schemeClr val="dk1">
-                      <a:alpha val="40000"/>
-                    </a:schemeClr>
-                  </a:outerShdw>
-                </a:effectLst>
-              </a:rPr>
-              <a:t>다른쪽에서는</a:t>
-            </a:r>
-            <a:r>
-              <a:rPr lang="ko-KR" altLang="en-US" sz="1600" spc="-150" dirty="0">
-                <a:ln w="0"/>
-                <a:effectLst>
-                  <a:outerShdw blurRad="38100" dist="19050" dir="2700000" algn="tl" rotWithShape="0">
-                    <a:schemeClr val="dk1">
-                      <a:alpha val="40000"/>
-                    </a:schemeClr>
-                  </a:outerShdw>
-                </a:effectLst>
-              </a:rPr>
-              <a:t> </a:t>
+              <a:rPr lang="ko-KR" altLang="en-US" sz="1600" spc="-150" dirty="0" smtClean="0">
+                <a:ln w="0"/>
+                <a:effectLst>
+                  <a:outerShdw blurRad="38100" dist="19050" dir="2700000" algn="tl" rotWithShape="0">
+                    <a:schemeClr val="dk1">
+                      <a:alpha val="40000"/>
+                    </a:schemeClr>
+                  </a:outerShdw>
+                </a:effectLst>
+              </a:rPr>
+              <a:t>다른 쪽에서는 </a:t>
             </a:r>
             <a:r>
               <a:rPr lang="ko-KR" altLang="en-US" sz="1600" spc="-150" dirty="0" err="1">
@@ -12876,7 +12864,7 @@
           <a:blip r:embed="rId4">
             <a:extLst>
               <a:ext uri="{28A0092B-C50C-407E-A947-70E740481C1C}">
-                <a14:useLocalDpi xmlns:a14="http://schemas.microsoft.com/office/drawing/2010/main" val="0"/>
+                <a14:useLocalDpi xmlns="" xmlns:a14="http://schemas.microsoft.com/office/drawing/2010/main" val="0"/>
               </a:ext>
             </a:extLst>
           </a:blip>
@@ -12896,7 +12884,7 @@
           <a:noFill/>
           <a:extLst>
             <a:ext uri="{909E8E84-426E-40DD-AFC4-6F175D3DCCD1}">
-              <a14:hiddenFill xmlns:a14="http://schemas.microsoft.com/office/drawing/2010/main">
+              <a14:hiddenFill xmlns="" xmlns:a14="http://schemas.microsoft.com/office/drawing/2010/main">
                 <a:solidFill>
                   <a:srgbClr val="FFFFFF"/>
                 </a:solidFill>
@@ -12932,7 +12920,7 @@
     </p:spTree>
     <p:extLst>
       <p:ext uri="{BB962C8B-B14F-4D97-AF65-F5344CB8AC3E}">
-        <p14:creationId xmlns:p14="http://schemas.microsoft.com/office/powerpoint/2010/main" val="3889926846"/>
+        <p14:creationId xmlns="" xmlns:p14="http://schemas.microsoft.com/office/powerpoint/2010/main" val="3889926846"/>
       </p:ext>
     </p:extLst>
   </p:cSld>
@@ -13618,7 +13606,7 @@
     </p:spTree>
     <p:extLst>
       <p:ext uri="{BB962C8B-B14F-4D97-AF65-F5344CB8AC3E}">
-        <p14:creationId xmlns:p14="http://schemas.microsoft.com/office/powerpoint/2010/main" val="1019293852"/>
+        <p14:creationId xmlns="" xmlns:p14="http://schemas.microsoft.com/office/powerpoint/2010/main" val="1019293852"/>
       </p:ext>
     </p:extLst>
   </p:cSld>
@@ -14231,7 +14219,7 @@
     </p:spTree>
     <p:extLst>
       <p:ext uri="{BB962C8B-B14F-4D97-AF65-F5344CB8AC3E}">
-        <p14:creationId xmlns:p14="http://schemas.microsoft.com/office/powerpoint/2010/main" val="3289489358"/>
+        <p14:creationId xmlns="" xmlns:p14="http://schemas.microsoft.com/office/powerpoint/2010/main" val="3289489358"/>
       </p:ext>
     </p:extLst>
   </p:cSld>
@@ -14347,7 +14335,7 @@
     </p:spTree>
     <p:extLst>
       <p:ext uri="{BB962C8B-B14F-4D97-AF65-F5344CB8AC3E}">
-        <p14:creationId xmlns:p14="http://schemas.microsoft.com/office/powerpoint/2010/main" val="829839302"/>
+        <p14:creationId xmlns="" xmlns:p14="http://schemas.microsoft.com/office/powerpoint/2010/main" val="829839302"/>
       </p:ext>
     </p:extLst>
   </p:cSld>
@@ -14800,7 +14788,21 @@
                 </a:effectLst>
                 <a:ea typeface="맑은 고딕" panose="020B0503020000020004" pitchFamily="50" charset="-127"/>
               </a:rPr>
-              <a:t>집합은 정렬되지 않은 단순 객체의 </a:t>
+              <a:t>집합은 정렬되지 않은 단순 객체의 묶음</a:t>
+            </a:r>
+            <a:r>
+              <a:rPr lang="en-US" altLang="ko-KR" sz="1600" spc="-150" dirty="0" smtClean="0">
+                <a:ln w="0"/>
+                <a:effectLst>
+                  <a:outerShdw blurRad="38100" dist="19050" dir="2700000" algn="tl" rotWithShape="0">
+                    <a:schemeClr val="dk1">
+                      <a:alpha val="40000"/>
+                    </a:schemeClr>
+                  </a:outerShdw>
+                </a:effectLst>
+                <a:ea typeface="맑은 고딕" panose="020B0503020000020004" pitchFamily="50" charset="-127"/>
+              </a:rPr>
+              <a:t>, </a:t>
             </a:r>
             <a:r>
               <a:rPr lang="ko-KR" altLang="en-US" sz="1600" spc="-150" dirty="0" smtClean="0">
@@ -14814,7 +14816,7 @@
                 </a:effectLst>
                 <a:ea typeface="맑은 고딕" panose="020B0503020000020004" pitchFamily="50" charset="-127"/>
               </a:rPr>
-              <a:t>묶음</a:t>
+              <a:t>중복을 허용하지 않음</a:t>
             </a:r>
             <a:r>
               <a:rPr lang="en-US" altLang="ko-KR" sz="1600" spc="-150" dirty="0" smtClean="0">
@@ -14828,47 +14830,8 @@
                 </a:effectLst>
                 <a:ea typeface="맑은 고딕" panose="020B0503020000020004" pitchFamily="50" charset="-127"/>
               </a:rPr>
-              <a:t>, </a:t>
-            </a:r>
-            <a:r>
-              <a:rPr lang="ko-KR" altLang="en-US" sz="1600" spc="-150" dirty="0" smtClean="0">
-                <a:ln w="0"/>
-                <a:effectLst>
-                  <a:outerShdw blurRad="38100" dist="19050" dir="2700000" algn="tl" rotWithShape="0">
-                    <a:schemeClr val="dk1">
-                      <a:alpha val="40000"/>
-                    </a:schemeClr>
-                  </a:outerShdw>
-                </a:effectLst>
-                <a:ea typeface="맑은 고딕" panose="020B0503020000020004" pitchFamily="50" charset="-127"/>
-              </a:rPr>
-              <a:t>중복을 허용하지 않음</a:t>
-            </a:r>
-            <a:r>
-              <a:rPr lang="en-US" altLang="ko-KR" sz="1600" spc="-150" dirty="0" smtClean="0">
-                <a:ln w="0"/>
-                <a:effectLst>
-                  <a:outerShdw blurRad="38100" dist="19050" dir="2700000" algn="tl" rotWithShape="0">
-                    <a:schemeClr val="dk1">
-                      <a:alpha val="40000"/>
-                    </a:schemeClr>
-                  </a:outerShdw>
-                </a:effectLst>
-                <a:ea typeface="맑은 고딕" panose="020B0503020000020004" pitchFamily="50" charset="-127"/>
-              </a:rPr>
               <a:t>.</a:t>
             </a:r>
-            <a:endParaRPr lang="en-US" altLang="ko-KR" sz="1600" spc="-150" dirty="0" smtClean="0">
-              <a:ln w="0"/>
-              <a:effectLst>
-                <a:outerShdw blurRad="38100" dist="19050" dir="2700000" algn="tl" rotWithShape="0">
-                  <a:schemeClr val="dk1">
-                    <a:alpha val="40000"/>
-                  </a:schemeClr>
-                </a:outerShdw>
-              </a:effectLst>
-              <a:ea typeface="맑은 고딕" panose="020B0503020000020004" pitchFamily="50" charset="-127"/>
-            </a:endParaRPr>
           </a:p>
           <a:p>
             <a:pPr marL="285750" indent="-285750">
@@ -15000,7 +14963,7 @@
     </p:spTree>
     <p:extLst>
       <p:ext uri="{BB962C8B-B14F-4D97-AF65-F5344CB8AC3E}">
-        <p14:creationId xmlns:p14="http://schemas.microsoft.com/office/powerpoint/2010/main" val="1811139734"/>
+        <p14:creationId xmlns="" xmlns:p14="http://schemas.microsoft.com/office/powerpoint/2010/main" val="1811139734"/>
       </p:ext>
     </p:extLst>
   </p:cSld>
@@ -15180,16 +15143,7 @@
                 </a:solidFill>
                 <a:latin typeface="맑은 고딕" pitchFamily="50" charset="-127"/>
               </a:rPr>
-              <a:t>연산을 루프에서 사용하면 왜 </a:t>
-            </a:r>
-            <a:r>
-              <a:rPr lang="ko-KR" altLang="en-US" sz="1600" b="1" spc="-150" dirty="0" err="1" smtClean="0">
-                <a:solidFill>
-                  <a:srgbClr val="000000"/>
-                </a:solidFill>
-                <a:latin typeface="맑은 고딕" pitchFamily="50" charset="-127"/>
-              </a:rPr>
-              <a:t>안되는가</a:t>
+              <a:t>연산을 루프에서 사용하면 왜 안 되는가</a:t>
             </a:r>
             <a:r>
               <a:rPr lang="en-US" altLang="ko-KR" sz="1600" b="1" spc="-150" dirty="0" smtClean="0">
@@ -15533,7 +15487,7 @@
     </p:spTree>
     <p:extLst>
       <p:ext uri="{BB962C8B-B14F-4D97-AF65-F5344CB8AC3E}">
-        <p14:creationId xmlns:p14="http://schemas.microsoft.com/office/powerpoint/2010/main" val="3223533320"/>
+        <p14:creationId xmlns="" xmlns:p14="http://schemas.microsoft.com/office/powerpoint/2010/main" val="3223533320"/>
       </p:ext>
     </p:extLst>
   </p:cSld>
@@ -16142,7 +16096,7 @@
     </p:spTree>
     <p:extLst>
       <p:ext uri="{BB962C8B-B14F-4D97-AF65-F5344CB8AC3E}">
-        <p14:creationId xmlns:p14="http://schemas.microsoft.com/office/powerpoint/2010/main" val="1363229990"/>
+        <p14:creationId xmlns="" xmlns:p14="http://schemas.microsoft.com/office/powerpoint/2010/main" val="1363229990"/>
       </p:ext>
     </p:extLst>
   </p:cSld>
@@ -16874,7 +16828,7 @@
     </p:spTree>
     <p:extLst>
       <p:ext uri="{BB962C8B-B14F-4D97-AF65-F5344CB8AC3E}">
-        <p14:creationId xmlns:p14="http://schemas.microsoft.com/office/powerpoint/2010/main" val="2717492621"/>
+        <p14:creationId xmlns="" xmlns:p14="http://schemas.microsoft.com/office/powerpoint/2010/main" val="2717492621"/>
       </p:ext>
     </p:extLst>
   </p:cSld>
@@ -17519,7 +17473,7 @@
     </p:spTree>
     <p:extLst>
       <p:ext uri="{BB962C8B-B14F-4D97-AF65-F5344CB8AC3E}">
-        <p14:creationId xmlns:p14="http://schemas.microsoft.com/office/powerpoint/2010/main" val="3887133496"/>
+        <p14:creationId xmlns="" xmlns:p14="http://schemas.microsoft.com/office/powerpoint/2010/main" val="3887133496"/>
       </p:ext>
     </p:extLst>
   </p:cSld>
@@ -18128,7 +18082,7 @@
     </p:spTree>
     <p:extLst>
       <p:ext uri="{BB962C8B-B14F-4D97-AF65-F5344CB8AC3E}">
-        <p14:creationId xmlns:p14="http://schemas.microsoft.com/office/powerpoint/2010/main" val="2826507215"/>
+        <p14:creationId xmlns="" xmlns:p14="http://schemas.microsoft.com/office/powerpoint/2010/main" val="2826507215"/>
       </p:ext>
     </p:extLst>
   </p:cSld>
@@ -19294,7 +19248,7 @@
             <a:blip r:embed="rId5" cstate="print">
               <a:extLst>
                 <a:ext uri="{28A0092B-C50C-407E-A947-70E740481C1C}">
-                  <a14:useLocalDpi xmlns:a14="http://schemas.microsoft.com/office/drawing/2010/main" val="0"/>
+                  <a14:useLocalDpi xmlns="" xmlns:a14="http://schemas.microsoft.com/office/drawing/2010/main" val="0"/>
                 </a:ext>
               </a:extLst>
             </a:blip>
@@ -19314,7 +19268,7 @@
             <a:noFill/>
             <a:extLst>
               <a:ext uri="{909E8E84-426E-40DD-AFC4-6F175D3DCCD1}">
-                <a14:hiddenFill xmlns:a14="http://schemas.microsoft.com/office/drawing/2010/main">
+                <a14:hiddenFill xmlns="" xmlns:a14="http://schemas.microsoft.com/office/drawing/2010/main">
                   <a:solidFill>
                     <a:srgbClr val="FFFFFF"/>
                   </a:solidFill>
@@ -19374,7 +19328,7 @@
     </p:spTree>
     <p:extLst>
       <p:ext uri="{BB962C8B-B14F-4D97-AF65-F5344CB8AC3E}">
-        <p14:creationId xmlns:p14="http://schemas.microsoft.com/office/powerpoint/2010/main" val="2528674855"/>
+        <p14:creationId xmlns="" xmlns:p14="http://schemas.microsoft.com/office/powerpoint/2010/main" val="2528674855"/>
       </p:ext>
     </p:extLst>
   </p:cSld>
@@ -19476,17 +19430,7 @@
                   </a:schemeClr>
                 </a:solidFill>
               </a:rPr>
-              <a:t>Dictionary &amp; Set </a:t>
-            </a:r>
-            <a:r>
-              <a:rPr lang="en-US" altLang="ko-KR" sz="2400" b="1" spc="-150" dirty="0" smtClean="0">
-                <a:solidFill>
-                  <a:schemeClr val="accent4">
-                    <a:lumMod val="50000"/>
-                  </a:schemeClr>
-                </a:solidFill>
-              </a:rPr>
-              <a:t>Comprehension</a:t>
+              <a:t>Dictionary &amp; Set Comprehension</a:t>
             </a:r>
             <a:endParaRPr lang="ko-KR" altLang="en-US" sz="2400" b="1" spc="-150" dirty="0">
               <a:solidFill>
@@ -20095,11 +20039,7 @@
             </a:r>
             <a:r>
               <a:rPr lang="en-US" altLang="ko-KR" sz="1200" dirty="0" smtClean="0"/>
-              <a:t> &amp; Set </a:t>
-            </a:r>
-            <a:r>
-              <a:rPr lang="en-US" altLang="ko-KR" sz="1200" dirty="0" smtClean="0"/>
-              <a:t>Comprehension</a:t>
+              <a:t> &amp; Set Comprehension</a:t>
             </a:r>
             <a:endParaRPr lang="ko-KR" altLang="en-US" sz="1200" dirty="0"/>
           </a:p>
@@ -20473,7 +20413,7 @@
     </p:spTree>
     <p:extLst>
       <p:ext uri="{BB962C8B-B14F-4D97-AF65-F5344CB8AC3E}">
-        <p14:creationId xmlns:p14="http://schemas.microsoft.com/office/powerpoint/2010/main" val="1989896779"/>
+        <p14:creationId xmlns="" xmlns:p14="http://schemas.microsoft.com/office/powerpoint/2010/main" val="1989896779"/>
       </p:ext>
     </p:extLst>
   </p:cSld>
@@ -21163,7 +21103,7 @@
           <a:blip r:embed="rId5">
             <a:extLst>
               <a:ext uri="{28A0092B-C50C-407E-A947-70E740481C1C}">
-                <a14:useLocalDpi xmlns:a14="http://schemas.microsoft.com/office/drawing/2010/main" val="0"/>
+                <a14:useLocalDpi xmlns="" xmlns:a14="http://schemas.microsoft.com/office/drawing/2010/main" val="0"/>
               </a:ext>
             </a:extLst>
           </a:blip>
@@ -21183,7 +21123,7 @@
           <a:noFill/>
           <a:extLst>
             <a:ext uri="{909E8E84-426E-40DD-AFC4-6F175D3DCCD1}">
-              <a14:hiddenFill xmlns:a14="http://schemas.microsoft.com/office/drawing/2010/main">
+              <a14:hiddenFill xmlns="" xmlns:a14="http://schemas.microsoft.com/office/drawing/2010/main">
                 <a:solidFill>
                   <a:srgbClr val="FFFFFF"/>
                 </a:solidFill>
@@ -21219,7 +21159,7 @@
     </p:spTree>
     <p:extLst>
       <p:ext uri="{BB962C8B-B14F-4D97-AF65-F5344CB8AC3E}">
-        <p14:creationId xmlns:p14="http://schemas.microsoft.com/office/powerpoint/2010/main" val="877010915"/>
+        <p14:creationId xmlns="" xmlns:p14="http://schemas.microsoft.com/office/powerpoint/2010/main" val="877010915"/>
       </p:ext>
     </p:extLst>
   </p:cSld>
@@ -21949,7 +21889,7 @@
     </p:spTree>
     <p:extLst>
       <p:ext uri="{BB962C8B-B14F-4D97-AF65-F5344CB8AC3E}">
-        <p14:creationId xmlns:p14="http://schemas.microsoft.com/office/powerpoint/2010/main" val="1108492521"/>
+        <p14:creationId xmlns="" xmlns:p14="http://schemas.microsoft.com/office/powerpoint/2010/main" val="1108492521"/>
       </p:ext>
     </p:extLst>
   </p:cSld>
@@ -22629,7 +22569,7 @@
     </p:spTree>
     <p:extLst>
       <p:ext uri="{BB962C8B-B14F-4D97-AF65-F5344CB8AC3E}">
-        <p14:creationId xmlns:p14="http://schemas.microsoft.com/office/powerpoint/2010/main" val="1544345535"/>
+        <p14:creationId xmlns="" xmlns:p14="http://schemas.microsoft.com/office/powerpoint/2010/main" val="1544345535"/>
       </p:ext>
     </p:extLst>
   </p:cSld>
@@ -23131,7 +23071,7 @@
     </p:spTree>
     <p:extLst>
       <p:ext uri="{BB962C8B-B14F-4D97-AF65-F5344CB8AC3E}">
-        <p14:creationId xmlns:p14="http://schemas.microsoft.com/office/powerpoint/2010/main" val="3896940854"/>
+        <p14:creationId xmlns="" xmlns:p14="http://schemas.microsoft.com/office/powerpoint/2010/main" val="3896940854"/>
       </p:ext>
     </p:extLst>
   </p:cSld>
@@ -23247,7 +23187,7 @@
     </p:spTree>
     <p:extLst>
       <p:ext uri="{BB962C8B-B14F-4D97-AF65-F5344CB8AC3E}">
-        <p14:creationId xmlns:p14="http://schemas.microsoft.com/office/powerpoint/2010/main" val="3404989320"/>
+        <p14:creationId xmlns="" xmlns:p14="http://schemas.microsoft.com/office/powerpoint/2010/main" val="3404989320"/>
       </p:ext>
     </p:extLst>
   </p:cSld>
@@ -23757,7 +23697,7 @@
           <a:blip r:embed="rId3">
             <a:extLst>
               <a:ext uri="{28A0092B-C50C-407E-A947-70E740481C1C}">
-                <a14:useLocalDpi xmlns:a14="http://schemas.microsoft.com/office/drawing/2010/main" val="0"/>
+                <a14:useLocalDpi xmlns="" xmlns:a14="http://schemas.microsoft.com/office/drawing/2010/main" val="0"/>
               </a:ext>
             </a:extLst>
           </a:blip>
@@ -23777,7 +23717,7 @@
           <a:noFill/>
           <a:extLst>
             <a:ext uri="{909E8E84-426E-40DD-AFC4-6F175D3DCCD1}">
-              <a14:hiddenFill xmlns:a14="http://schemas.microsoft.com/office/drawing/2010/main">
+              <a14:hiddenFill xmlns="" xmlns:a14="http://schemas.microsoft.com/office/drawing/2010/main">
                 <a:solidFill>
                   <a:srgbClr val="FFFFFF"/>
                 </a:solidFill>
@@ -23789,7 +23729,7 @@
     </p:spTree>
     <p:extLst>
       <p:ext uri="{BB962C8B-B14F-4D97-AF65-F5344CB8AC3E}">
-        <p14:creationId xmlns:p14="http://schemas.microsoft.com/office/powerpoint/2010/main" val="3836720454"/>
+        <p14:creationId xmlns="" xmlns:p14="http://schemas.microsoft.com/office/powerpoint/2010/main" val="3836720454"/>
       </p:ext>
     </p:extLst>
   </p:cSld>
@@ -24302,34 +24242,7 @@
                 </a:solidFill>
                 <a:latin typeface="맑은 고딕" pitchFamily="50" charset="-127"/>
               </a:rPr>
-              <a:t> 환율 정보를 지니고 있으며 매일 새로 </a:t>
-            </a:r>
-            <a:r>
-              <a:rPr lang="ko-KR" altLang="en-US" sz="1600" b="1" spc="-150" dirty="0" smtClean="0">
-                <a:solidFill>
-                  <a:srgbClr val="000000"/>
-                </a:solidFill>
-                <a:latin typeface="맑은 고딕" pitchFamily="50" charset="-127"/>
-              </a:rPr>
-              <a:t>추가</a:t>
-            </a:r>
-            <a:r>
-              <a:rPr lang="ko-KR" altLang="en-US" sz="1600" b="1" spc="-150" dirty="0" smtClean="0">
-                <a:solidFill>
-                  <a:srgbClr val="000000"/>
-                </a:solidFill>
-                <a:latin typeface="맑은 고딕" pitchFamily="50" charset="-127"/>
-              </a:rPr>
-              <a:t>된다고 </a:t>
-            </a:r>
-            <a:r>
-              <a:rPr lang="ko-KR" altLang="en-US" sz="1600" b="1" spc="-150" dirty="0" smtClean="0">
-                <a:solidFill>
-                  <a:srgbClr val="000000"/>
-                </a:solidFill>
-                <a:latin typeface="맑은 고딕" pitchFamily="50" charset="-127"/>
-              </a:rPr>
-              <a:t>가정한다</a:t>
+              <a:t> 환율 정보를 지니고 있으며 매일 새로 추가된다고 가정한다</a:t>
             </a:r>
             <a:r>
               <a:rPr lang="en-US" altLang="ko-KR" sz="1600" b="1" spc="-150" dirty="0" smtClean="0">
@@ -24387,7 +24300,7 @@
           <a:blip r:embed="rId3">
             <a:extLst>
               <a:ext uri="{28A0092B-C50C-407E-A947-70E740481C1C}">
-                <a14:useLocalDpi xmlns:a14="http://schemas.microsoft.com/office/drawing/2010/main" val="0"/>
+                <a14:useLocalDpi xmlns="" xmlns:a14="http://schemas.microsoft.com/office/drawing/2010/main" val="0"/>
               </a:ext>
             </a:extLst>
           </a:blip>
@@ -24407,7 +24320,7 @@
           <a:noFill/>
           <a:extLst>
             <a:ext uri="{909E8E84-426E-40DD-AFC4-6F175D3DCCD1}">
-              <a14:hiddenFill xmlns:a14="http://schemas.microsoft.com/office/drawing/2010/main">
+              <a14:hiddenFill xmlns="" xmlns:a14="http://schemas.microsoft.com/office/drawing/2010/main">
                 <a:solidFill>
                   <a:srgbClr val="FFFFFF"/>
                 </a:solidFill>
@@ -24428,7 +24341,7 @@
           <a:blip r:embed="rId4">
             <a:extLst>
               <a:ext uri="{28A0092B-C50C-407E-A947-70E740481C1C}">
-                <a14:useLocalDpi xmlns:a14="http://schemas.microsoft.com/office/drawing/2010/main" val="0"/>
+                <a14:useLocalDpi xmlns="" xmlns:a14="http://schemas.microsoft.com/office/drawing/2010/main" val="0"/>
               </a:ext>
             </a:extLst>
           </a:blip>
@@ -24448,7 +24361,7 @@
           <a:noFill/>
           <a:extLst>
             <a:ext uri="{909E8E84-426E-40DD-AFC4-6F175D3DCCD1}">
-              <a14:hiddenFill xmlns:a14="http://schemas.microsoft.com/office/drawing/2010/main">
+              <a14:hiddenFill xmlns="" xmlns:a14="http://schemas.microsoft.com/office/drawing/2010/main">
                 <a:solidFill>
                   <a:srgbClr val="FFFFFF"/>
                 </a:solidFill>
@@ -24460,7 +24373,7 @@
     </p:spTree>
     <p:extLst>
       <p:ext uri="{BB962C8B-B14F-4D97-AF65-F5344CB8AC3E}">
-        <p14:creationId xmlns:p14="http://schemas.microsoft.com/office/powerpoint/2010/main" val="772294077"/>
+        <p14:creationId xmlns="" xmlns:p14="http://schemas.microsoft.com/office/powerpoint/2010/main" val="772294077"/>
       </p:ext>
     </p:extLst>
   </p:cSld>
@@ -25168,7 +25081,7 @@
           <a:blip r:embed="rId3">
             <a:extLst>
               <a:ext uri="{28A0092B-C50C-407E-A947-70E740481C1C}">
-                <a14:useLocalDpi xmlns:a14="http://schemas.microsoft.com/office/drawing/2010/main" val="0"/>
+                <a14:useLocalDpi xmlns="" xmlns:a14="http://schemas.microsoft.com/office/drawing/2010/main" val="0"/>
               </a:ext>
             </a:extLst>
           </a:blip>
@@ -25188,7 +25101,7 @@
           <a:noFill/>
           <a:extLst>
             <a:ext uri="{909E8E84-426E-40DD-AFC4-6F175D3DCCD1}">
-              <a14:hiddenFill xmlns:a14="http://schemas.microsoft.com/office/drawing/2010/main">
+              <a14:hiddenFill xmlns="" xmlns:a14="http://schemas.microsoft.com/office/drawing/2010/main">
                 <a:solidFill>
                   <a:srgbClr val="FFFFFF"/>
                 </a:solidFill>
@@ -25209,7 +25122,7 @@
           <a:blip r:embed="rId4" cstate="print">
             <a:extLst>
               <a:ext uri="{28A0092B-C50C-407E-A947-70E740481C1C}">
-                <a14:useLocalDpi xmlns:a14="http://schemas.microsoft.com/office/drawing/2010/main" val="0"/>
+                <a14:useLocalDpi xmlns="" xmlns:a14="http://schemas.microsoft.com/office/drawing/2010/main" val="0"/>
               </a:ext>
             </a:extLst>
           </a:blip>
@@ -25229,7 +25142,7 @@
           <a:noFill/>
           <a:extLst>
             <a:ext uri="{909E8E84-426E-40DD-AFC4-6F175D3DCCD1}">
-              <a14:hiddenFill xmlns:a14="http://schemas.microsoft.com/office/drawing/2010/main">
+              <a14:hiddenFill xmlns="" xmlns:a14="http://schemas.microsoft.com/office/drawing/2010/main">
                 <a:solidFill>
                   <a:srgbClr val="FFFFFF"/>
                 </a:solidFill>
@@ -25241,7 +25154,7 @@
     </p:spTree>
     <p:extLst>
       <p:ext uri="{BB962C8B-B14F-4D97-AF65-F5344CB8AC3E}">
-        <p14:creationId xmlns:p14="http://schemas.microsoft.com/office/powerpoint/2010/main" val="1546860835"/>
+        <p14:creationId xmlns="" xmlns:p14="http://schemas.microsoft.com/office/powerpoint/2010/main" val="1546860835"/>
       </p:ext>
     </p:extLst>
   </p:cSld>
@@ -25682,16 +25595,7 @@
                 </a:solidFill>
                 <a:latin typeface="맑은 고딕" pitchFamily="50" charset="-127"/>
               </a:rPr>
-              <a:t>의 유저가 평균적으로 </a:t>
-            </a:r>
-            <a:r>
-              <a:rPr lang="ko-KR" altLang="en-US" sz="1600" b="1" spc="-150" dirty="0" smtClean="0">
-                <a:solidFill>
-                  <a:srgbClr val="000000"/>
-                </a:solidFill>
-                <a:latin typeface="맑은 고딕" pitchFamily="50" charset="-127"/>
-              </a:rPr>
-              <a:t>월 </a:t>
+              <a:t>의 유저가 평균적으로 월 </a:t>
             </a:r>
             <a:r>
               <a:rPr lang="en-US" altLang="ko-KR" sz="1600" b="1" spc="-150" dirty="0" smtClean="0">
@@ -25859,7 +25763,7 @@
           <a:blip r:embed="rId3" cstate="print">
             <a:extLst>
               <a:ext uri="{28A0092B-C50C-407E-A947-70E740481C1C}">
-                <a14:useLocalDpi xmlns:a14="http://schemas.microsoft.com/office/drawing/2010/main" val="0"/>
+                <a14:useLocalDpi xmlns="" xmlns:a14="http://schemas.microsoft.com/office/drawing/2010/main" val="0"/>
               </a:ext>
             </a:extLst>
           </a:blip>
@@ -25879,7 +25783,7 @@
           <a:noFill/>
           <a:extLst>
             <a:ext uri="{909E8E84-426E-40DD-AFC4-6F175D3DCCD1}">
-              <a14:hiddenFill xmlns:a14="http://schemas.microsoft.com/office/drawing/2010/main">
+              <a14:hiddenFill xmlns="" xmlns:a14="http://schemas.microsoft.com/office/drawing/2010/main">
                 <a:solidFill>
                   <a:srgbClr val="FFFFFF"/>
                 </a:solidFill>
@@ -25900,7 +25804,7 @@
           <a:blip r:embed="rId4">
             <a:extLst>
               <a:ext uri="{28A0092B-C50C-407E-A947-70E740481C1C}">
-                <a14:useLocalDpi xmlns:a14="http://schemas.microsoft.com/office/drawing/2010/main" val="0"/>
+                <a14:useLocalDpi xmlns="" xmlns:a14="http://schemas.microsoft.com/office/drawing/2010/main" val="0"/>
               </a:ext>
             </a:extLst>
           </a:blip>
@@ -25920,7 +25824,7 @@
           <a:noFill/>
           <a:extLst>
             <a:ext uri="{909E8E84-426E-40DD-AFC4-6F175D3DCCD1}">
-              <a14:hiddenFill xmlns:a14="http://schemas.microsoft.com/office/drawing/2010/main">
+              <a14:hiddenFill xmlns="" xmlns:a14="http://schemas.microsoft.com/office/drawing/2010/main">
                 <a:solidFill>
                   <a:srgbClr val="FFFFFF"/>
                 </a:solidFill>
@@ -26082,7 +25986,7 @@
     </p:spTree>
     <p:extLst>
       <p:ext uri="{BB962C8B-B14F-4D97-AF65-F5344CB8AC3E}">
-        <p14:creationId xmlns:p14="http://schemas.microsoft.com/office/powerpoint/2010/main" val="3892735869"/>
+        <p14:creationId xmlns="" xmlns:p14="http://schemas.microsoft.com/office/powerpoint/2010/main" val="3892735869"/>
       </p:ext>
     </p:extLst>
   </p:cSld>
@@ -26198,7 +26102,7 @@
     </p:spTree>
     <p:extLst>
       <p:ext uri="{BB962C8B-B14F-4D97-AF65-F5344CB8AC3E}">
-        <p14:creationId xmlns:p14="http://schemas.microsoft.com/office/powerpoint/2010/main" val="3444039648"/>
+        <p14:creationId xmlns="" xmlns:p14="http://schemas.microsoft.com/office/powerpoint/2010/main" val="3444039648"/>
       </p:ext>
     </p:extLst>
   </p:cSld>
@@ -26978,7 +26882,7 @@
     </p:spTree>
     <p:extLst>
       <p:ext uri="{BB962C8B-B14F-4D97-AF65-F5344CB8AC3E}">
-        <p14:creationId xmlns:p14="http://schemas.microsoft.com/office/powerpoint/2010/main" val="1125738456"/>
+        <p14:creationId xmlns="" xmlns:p14="http://schemas.microsoft.com/office/powerpoint/2010/main" val="1125738456"/>
       </p:ext>
     </p:extLst>
   </p:cSld>
@@ -27782,7 +27686,7 @@
     </p:spTree>
     <p:extLst>
       <p:ext uri="{BB962C8B-B14F-4D97-AF65-F5344CB8AC3E}">
-        <p14:creationId xmlns:p14="http://schemas.microsoft.com/office/powerpoint/2010/main" val="2655701418"/>
+        <p14:creationId xmlns="" xmlns:p14="http://schemas.microsoft.com/office/powerpoint/2010/main" val="2655701418"/>
       </p:ext>
     </p:extLst>
   </p:cSld>
@@ -28444,7 +28348,7 @@
           <a:blip r:embed="rId5">
             <a:extLst>
               <a:ext uri="{28A0092B-C50C-407E-A947-70E740481C1C}">
-                <a14:useLocalDpi xmlns:a14="http://schemas.microsoft.com/office/drawing/2010/main" val="0"/>
+                <a14:useLocalDpi xmlns="" xmlns:a14="http://schemas.microsoft.com/office/drawing/2010/main" val="0"/>
               </a:ext>
             </a:extLst>
           </a:blip>
@@ -28464,7 +28368,7 @@
           <a:noFill/>
           <a:extLst>
             <a:ext uri="{909E8E84-426E-40DD-AFC4-6F175D3DCCD1}">
-              <a14:hiddenFill xmlns:a14="http://schemas.microsoft.com/office/drawing/2010/main">
+              <a14:hiddenFill xmlns="" xmlns:a14="http://schemas.microsoft.com/office/drawing/2010/main">
                 <a:solidFill>
                   <a:srgbClr val="FFFFFF"/>
                 </a:solidFill>
@@ -28485,7 +28389,7 @@
           <a:blip r:embed="rId6">
             <a:extLst>
               <a:ext uri="{28A0092B-C50C-407E-A947-70E740481C1C}">
-                <a14:useLocalDpi xmlns:a14="http://schemas.microsoft.com/office/drawing/2010/main" val="0"/>
+                <a14:useLocalDpi xmlns="" xmlns:a14="http://schemas.microsoft.com/office/drawing/2010/main" val="0"/>
               </a:ext>
             </a:extLst>
           </a:blip>
@@ -28505,7 +28409,7 @@
           <a:noFill/>
           <a:extLst>
             <a:ext uri="{909E8E84-426E-40DD-AFC4-6F175D3DCCD1}">
-              <a14:hiddenFill xmlns:a14="http://schemas.microsoft.com/office/drawing/2010/main">
+              <a14:hiddenFill xmlns="" xmlns:a14="http://schemas.microsoft.com/office/drawing/2010/main">
                 <a:solidFill>
                   <a:srgbClr val="FFFFFF"/>
                 </a:solidFill>
@@ -28517,7 +28421,7 @@
     </p:spTree>
     <p:extLst>
       <p:ext uri="{BB962C8B-B14F-4D97-AF65-F5344CB8AC3E}">
-        <p14:creationId xmlns:p14="http://schemas.microsoft.com/office/powerpoint/2010/main" val="3798928540"/>
+        <p14:creationId xmlns="" xmlns:p14="http://schemas.microsoft.com/office/powerpoint/2010/main" val="3798928540"/>
       </p:ext>
     </p:extLst>
   </p:cSld>
@@ -29569,17 +29473,17 @@
               <a:t>를 </a:t>
             </a:r>
             <a:r>
-              <a:rPr lang="ko-KR" altLang="en-US" sz="1600" spc="-150" dirty="0" err="1">
-                <a:ln w="0"/>
-                <a:effectLst>
-                  <a:outerShdw blurRad="38100" dist="19050" dir="2700000" algn="tl" rotWithShape="0">
-                    <a:schemeClr val="dk1">
-                      <a:alpha val="40000"/>
-                    </a:schemeClr>
-                  </a:outerShdw>
-                </a:effectLst>
-              </a:rPr>
-              <a:t>안쓰고도</a:t>
+              <a:rPr lang="ko-KR" altLang="en-US" sz="1600" spc="-150" dirty="0" smtClean="0">
+                <a:ln w="0"/>
+                <a:effectLst>
+                  <a:outerShdw blurRad="38100" dist="19050" dir="2700000" algn="tl" rotWithShape="0">
+                    <a:schemeClr val="dk1">
+                      <a:alpha val="40000"/>
+                    </a:schemeClr>
+                  </a:outerShdw>
+                </a:effectLst>
+              </a:rPr>
+              <a:t>안 쓰고도 </a:t>
             </a:r>
             <a:r>
               <a:rPr lang="ko-KR" altLang="en-US" sz="1600" spc="-150" dirty="0">
@@ -29592,7 +29496,7 @@
                   </a:outerShdw>
                 </a:effectLst>
               </a:rPr>
-              <a:t> 목록과 반복자를 만드는 간결하고 효율적인 방법으로 사용할 수 있다</a:t>
+              <a:t>목록과 반복자를 만드는 간결하고 효율적인 방법으로 사용할 수 있다</a:t>
             </a:r>
             <a:r>
               <a:rPr lang="en-US" altLang="ko-KR" sz="1600" spc="-150" dirty="0" smtClean="0">
@@ -29679,17 +29583,17 @@
               <a:t>함수 </a:t>
             </a:r>
             <a:r>
-              <a:rPr lang="ko-KR" altLang="en-US" sz="1600" spc="-150" dirty="0" err="1">
-                <a:ln w="0"/>
-                <a:effectLst>
-                  <a:outerShdw blurRad="38100" dist="19050" dir="2700000" algn="tl" rotWithShape="0">
-                    <a:schemeClr val="dk1">
-                      <a:alpha val="40000"/>
-                    </a:schemeClr>
-                  </a:outerShdw>
-                </a:effectLst>
-              </a:rPr>
-              <a:t>선언시</a:t>
+              <a:rPr lang="ko-KR" altLang="en-US" sz="1600" spc="-150" dirty="0" smtClean="0">
+                <a:ln w="0"/>
+                <a:effectLst>
+                  <a:outerShdw blurRad="38100" dist="19050" dir="2700000" algn="tl" rotWithShape="0">
+                    <a:schemeClr val="dk1">
+                      <a:alpha val="40000"/>
+                    </a:schemeClr>
+                  </a:outerShdw>
+                </a:effectLst>
+              </a:rPr>
+              <a:t>선언 시 </a:t>
             </a:r>
             <a:r>
               <a:rPr lang="ko-KR" altLang="en-US" sz="1600" spc="-150" dirty="0">
@@ -29702,7 +29606,7 @@
                   </a:outerShdw>
                 </a:effectLst>
               </a:rPr>
-              <a:t> 기본값을 넣어주는 건 대부분의 상황에서 허용된다</a:t>
+              <a:t>기본값을 넣어주는 건 대부분의 상황에서 허용된다</a:t>
             </a:r>
             <a:r>
               <a:rPr lang="en-US" altLang="ko-KR" sz="1600" spc="-150" dirty="0">
@@ -29865,7 +29769,7 @@
             <a:blip r:embed="rId3" cstate="print">
               <a:extLst>
                 <a:ext uri="{28A0092B-C50C-407E-A947-70E740481C1C}">
-                  <a14:useLocalDpi xmlns:a14="http://schemas.microsoft.com/office/drawing/2010/main" val="0"/>
+                  <a14:useLocalDpi xmlns="" xmlns:a14="http://schemas.microsoft.com/office/drawing/2010/main" val="0"/>
                 </a:ext>
               </a:extLst>
             </a:blip>
@@ -29885,7 +29789,7 @@
             <a:noFill/>
             <a:extLst>
               <a:ext uri="{909E8E84-426E-40DD-AFC4-6F175D3DCCD1}">
-                <a14:hiddenFill xmlns:a14="http://schemas.microsoft.com/office/drawing/2010/main">
+                <a14:hiddenFill xmlns="" xmlns:a14="http://schemas.microsoft.com/office/drawing/2010/main">
                   <a:solidFill>
                     <a:srgbClr val="FFFFFF"/>
                   </a:solidFill>
@@ -30508,7 +30412,7 @@
     </p:spTree>
     <p:extLst>
       <p:ext uri="{BB962C8B-B14F-4D97-AF65-F5344CB8AC3E}">
-        <p14:creationId xmlns:p14="http://schemas.microsoft.com/office/powerpoint/2010/main" val="966779862"/>
+        <p14:creationId xmlns="" xmlns:p14="http://schemas.microsoft.com/office/powerpoint/2010/main" val="966779862"/>
       </p:ext>
     </p:extLst>
   </p:cSld>
@@ -31187,6 +31091,192 @@
               <a:t>   </a:t>
             </a:r>
             <a:r>
+              <a:rPr lang="ko-KR" altLang="en-US" sz="1600" spc="-150" dirty="0" smtClean="0">
+                <a:ln w="0"/>
+                <a:effectLst>
+                  <a:outerShdw blurRad="38100" dist="19050" dir="2700000" algn="tl" rotWithShape="0">
+                    <a:schemeClr val="dk1">
+                      <a:alpha val="40000"/>
+                    </a:schemeClr>
+                  </a:outerShdw>
+                </a:effectLst>
+              </a:rPr>
+              <a:t>첫 문자는 </a:t>
+            </a:r>
+            <a:r>
+              <a:rPr lang="ko-KR" altLang="en-US" sz="1600" spc="-150" dirty="0">
+                <a:ln w="0"/>
+                <a:effectLst>
+                  <a:outerShdw blurRad="38100" dist="19050" dir="2700000" algn="tl" rotWithShape="0">
+                    <a:schemeClr val="dk1">
+                      <a:alpha val="40000"/>
+                    </a:schemeClr>
+                  </a:outerShdw>
+                </a:effectLst>
+              </a:rPr>
+              <a:t>대문자로</a:t>
+            </a:r>
+            <a:r>
+              <a:rPr lang="en-US" altLang="ko-KR" sz="1600" spc="-150" dirty="0">
+                <a:ln w="0"/>
+                <a:effectLst>
+                  <a:outerShdw blurRad="38100" dist="19050" dir="2700000" algn="tl" rotWithShape="0">
+                    <a:schemeClr val="dk1">
+                      <a:alpha val="40000"/>
+                    </a:schemeClr>
+                  </a:outerShdw>
+                </a:effectLst>
+              </a:rPr>
+              <a:t>, </a:t>
+            </a:r>
+            <a:r>
+              <a:rPr lang="ko-KR" altLang="en-US" sz="1600" spc="-150" dirty="0">
+                <a:ln w="0"/>
+                <a:effectLst>
+                  <a:outerShdw blurRad="38100" dist="19050" dir="2700000" algn="tl" rotWithShape="0">
+                    <a:schemeClr val="dk1">
+                      <a:alpha val="40000"/>
+                    </a:schemeClr>
+                  </a:outerShdw>
+                </a:effectLst>
+              </a:rPr>
+              <a:t>마지막 문자는 마침표</a:t>
+            </a:r>
+            <a:r>
+              <a:rPr lang="en-US" altLang="ko-KR" sz="1600" spc="-150" dirty="0">
+                <a:ln w="0"/>
+                <a:effectLst>
+                  <a:outerShdw blurRad="38100" dist="19050" dir="2700000" algn="tl" rotWithShape="0">
+                    <a:schemeClr val="dk1">
+                      <a:alpha val="40000"/>
+                    </a:schemeClr>
+                  </a:outerShdw>
+                </a:effectLst>
+              </a:rPr>
+              <a:t>. </a:t>
+            </a:r>
+            <a:r>
+              <a:rPr lang="ko-KR" altLang="en-US" sz="1600" spc="-150" dirty="0" smtClean="0">
+                <a:ln w="0"/>
+                <a:effectLst>
+                  <a:outerShdw blurRad="38100" dist="19050" dir="2700000" algn="tl" rotWithShape="0">
+                    <a:schemeClr val="dk1">
+                      <a:alpha val="40000"/>
+                    </a:schemeClr>
+                  </a:outerShdw>
+                </a:effectLst>
+              </a:rPr>
+              <a:t>두 번째 줄 </a:t>
+            </a:r>
+            <a:r>
+              <a:rPr lang="ko-KR" altLang="en-US" sz="1600" spc="-150" dirty="0">
+                <a:ln w="0"/>
+                <a:effectLst>
+                  <a:outerShdw blurRad="38100" dist="19050" dir="2700000" algn="tl" rotWithShape="0">
+                    <a:schemeClr val="dk1">
+                      <a:alpha val="40000"/>
+                    </a:schemeClr>
+                  </a:outerShdw>
+                </a:effectLst>
+              </a:rPr>
+              <a:t>비우고</a:t>
+            </a:r>
+            <a:r>
+              <a:rPr lang="en-US" altLang="ko-KR" sz="1600" spc="-150" dirty="0">
+                <a:ln w="0"/>
+                <a:effectLst>
+                  <a:outerShdw blurRad="38100" dist="19050" dir="2700000" algn="tl" rotWithShape="0">
+                    <a:schemeClr val="dk1">
+                      <a:alpha val="40000"/>
+                    </a:schemeClr>
+                  </a:outerShdw>
+                </a:effectLst>
+              </a:rPr>
+              <a:t>, </a:t>
+            </a:r>
+            <a:r>
+              <a:rPr lang="ko-KR" altLang="en-US" sz="1600" spc="-150" dirty="0" smtClean="0">
+                <a:ln w="0"/>
+                <a:effectLst>
+                  <a:outerShdw blurRad="38100" dist="19050" dir="2700000" algn="tl" rotWithShape="0">
+                    <a:schemeClr val="dk1">
+                      <a:alpha val="40000"/>
+                    </a:schemeClr>
+                  </a:outerShdw>
+                </a:effectLst>
+              </a:rPr>
+              <a:t>세 번째 </a:t>
+            </a:r>
+            <a:r>
+              <a:rPr lang="ko-KR" altLang="en-US" sz="1600" spc="-150" dirty="0">
+                <a:ln w="0"/>
+                <a:effectLst>
+                  <a:outerShdw blurRad="38100" dist="19050" dir="2700000" algn="tl" rotWithShape="0">
+                    <a:schemeClr val="dk1">
+                      <a:alpha val="40000"/>
+                    </a:schemeClr>
+                  </a:outerShdw>
+                </a:effectLst>
+              </a:rPr>
+              <a:t>줄은 세부기능 표시</a:t>
+            </a:r>
+          </a:p>
+          <a:p>
+            <a:r>
+              <a:rPr lang="ko-KR" altLang="en-US" sz="1600" spc="-150" dirty="0">
+                <a:ln w="0"/>
+                <a:effectLst>
+                  <a:outerShdw blurRad="38100" dist="19050" dir="2700000" algn="tl" rotWithShape="0">
+                    <a:schemeClr val="dk1">
+                      <a:alpha val="40000"/>
+                    </a:schemeClr>
+                  </a:outerShdw>
+                </a:effectLst>
+              </a:rPr>
+              <a:t>   </a:t>
+            </a:r>
+            <a:r>
+              <a:rPr lang="en-US" altLang="ko-KR" sz="1600" spc="-150" dirty="0">
+                <a:ln w="0"/>
+                <a:effectLst>
+                  <a:outerShdw blurRad="38100" dist="19050" dir="2700000" algn="tl" rotWithShape="0">
+                    <a:schemeClr val="dk1">
+                      <a:alpha val="40000"/>
+                    </a:schemeClr>
+                  </a:outerShdw>
+                </a:effectLst>
+              </a:rPr>
+              <a:t>modules</a:t>
+            </a:r>
+          </a:p>
+          <a:p>
+            <a:r>
+              <a:rPr lang="en-US" altLang="ko-KR" sz="1600" spc="-150" dirty="0">
+                <a:ln w="0"/>
+                <a:effectLst>
+                  <a:outerShdw blurRad="38100" dist="19050" dir="2700000" algn="tl" rotWithShape="0">
+                    <a:schemeClr val="dk1">
+                      <a:alpha val="40000"/>
+                    </a:schemeClr>
+                  </a:outerShdw>
+                </a:effectLst>
+              </a:rPr>
+              <a:t>    </a:t>
+            </a:r>
+            <a:r>
+              <a:rPr lang="ko-KR" altLang="en-US" sz="1600" spc="-150" dirty="0">
+                <a:ln w="0"/>
+                <a:effectLst>
+                  <a:outerShdw blurRad="38100" dist="19050" dir="2700000" algn="tl" rotWithShape="0">
+                    <a:schemeClr val="dk1">
+                      <a:alpha val="40000"/>
+                    </a:schemeClr>
+                  </a:outerShdw>
+                </a:effectLst>
+              </a:rPr>
+              <a:t>모든 파일은 </a:t>
+            </a:r>
+            <a:r>
               <a:rPr lang="ko-KR" altLang="en-US" sz="1600" spc="-150" dirty="0" err="1">
                 <a:ln w="0"/>
                 <a:effectLst>
@@ -31197,7 +31287,7 @@
                   </a:outerShdw>
                 </a:effectLst>
               </a:rPr>
-              <a:t>첫문자는</a:t>
+              <a:t>라이센스</a:t>
             </a:r>
             <a:r>
               <a:rPr lang="ko-KR" altLang="en-US" sz="1600" spc="-150" dirty="0">
@@ -31210,196 +31300,10 @@
                   </a:outerShdw>
                 </a:effectLst>
               </a:rPr>
-              <a:t> 대문자로</a:t>
-            </a:r>
-            <a:r>
-              <a:rPr lang="en-US" altLang="ko-KR" sz="1600" spc="-150" dirty="0">
-                <a:ln w="0"/>
-                <a:effectLst>
-                  <a:outerShdw blurRad="38100" dist="19050" dir="2700000" algn="tl" rotWithShape="0">
-                    <a:schemeClr val="dk1">
-                      <a:alpha val="40000"/>
-                    </a:schemeClr>
-                  </a:outerShdw>
-                </a:effectLst>
-              </a:rPr>
-              <a:t>, </a:t>
-            </a:r>
-            <a:r>
-              <a:rPr lang="ko-KR" altLang="en-US" sz="1600" spc="-150" dirty="0">
-                <a:ln w="0"/>
-                <a:effectLst>
-                  <a:outerShdw blurRad="38100" dist="19050" dir="2700000" algn="tl" rotWithShape="0">
-                    <a:schemeClr val="dk1">
-                      <a:alpha val="40000"/>
-                    </a:schemeClr>
-                  </a:outerShdw>
-                </a:effectLst>
-              </a:rPr>
-              <a:t>마지막 문자는 마침표</a:t>
-            </a:r>
-            <a:r>
-              <a:rPr lang="en-US" altLang="ko-KR" sz="1600" spc="-150" dirty="0">
-                <a:ln w="0"/>
-                <a:effectLst>
-                  <a:outerShdw blurRad="38100" dist="19050" dir="2700000" algn="tl" rotWithShape="0">
-                    <a:schemeClr val="dk1">
-                      <a:alpha val="40000"/>
-                    </a:schemeClr>
-                  </a:outerShdw>
-                </a:effectLst>
-              </a:rPr>
-              <a:t>. </a:t>
-            </a:r>
-            <a:r>
-              <a:rPr lang="ko-KR" altLang="en-US" sz="1600" spc="-150" dirty="0" err="1">
-                <a:ln w="0"/>
-                <a:effectLst>
-                  <a:outerShdw blurRad="38100" dist="19050" dir="2700000" algn="tl" rotWithShape="0">
-                    <a:schemeClr val="dk1">
-                      <a:alpha val="40000"/>
-                    </a:schemeClr>
-                  </a:outerShdw>
-                </a:effectLst>
-              </a:rPr>
-              <a:t>두번째줄</a:t>
-            </a:r>
-            <a:r>
-              <a:rPr lang="ko-KR" altLang="en-US" sz="1600" spc="-150" dirty="0">
-                <a:ln w="0"/>
-                <a:effectLst>
-                  <a:outerShdw blurRad="38100" dist="19050" dir="2700000" algn="tl" rotWithShape="0">
-                    <a:schemeClr val="dk1">
-                      <a:alpha val="40000"/>
-                    </a:schemeClr>
-                  </a:outerShdw>
-                </a:effectLst>
-              </a:rPr>
-              <a:t> 비우고</a:t>
-            </a:r>
-            <a:r>
-              <a:rPr lang="en-US" altLang="ko-KR" sz="1600" spc="-150" dirty="0">
-                <a:ln w="0"/>
-                <a:effectLst>
-                  <a:outerShdw blurRad="38100" dist="19050" dir="2700000" algn="tl" rotWithShape="0">
-                    <a:schemeClr val="dk1">
-                      <a:alpha val="40000"/>
-                    </a:schemeClr>
-                  </a:outerShdw>
-                </a:effectLst>
-              </a:rPr>
-              <a:t>, </a:t>
-            </a:r>
-            <a:r>
-              <a:rPr lang="ko-KR" altLang="en-US" sz="1600" spc="-150" dirty="0" err="1">
-                <a:ln w="0"/>
-                <a:effectLst>
-                  <a:outerShdw blurRad="38100" dist="19050" dir="2700000" algn="tl" rotWithShape="0">
-                    <a:schemeClr val="dk1">
-                      <a:alpha val="40000"/>
-                    </a:schemeClr>
-                  </a:outerShdw>
-                </a:effectLst>
-              </a:rPr>
-              <a:t>세번째</a:t>
-            </a:r>
-            <a:r>
-              <a:rPr lang="ko-KR" altLang="en-US" sz="1600" spc="-150" dirty="0">
-                <a:ln w="0"/>
-                <a:effectLst>
-                  <a:outerShdw blurRad="38100" dist="19050" dir="2700000" algn="tl" rotWithShape="0">
-                    <a:schemeClr val="dk1">
-                      <a:alpha val="40000"/>
-                    </a:schemeClr>
-                  </a:outerShdw>
-                </a:effectLst>
-              </a:rPr>
-              <a:t> 줄은 세부기능 표시</a:t>
-            </a:r>
-          </a:p>
-          <a:p>
-            <a:r>
-              <a:rPr lang="ko-KR" altLang="en-US" sz="1600" spc="-150" dirty="0">
-                <a:ln w="0"/>
-                <a:effectLst>
-                  <a:outerShdw blurRad="38100" dist="19050" dir="2700000" algn="tl" rotWithShape="0">
-                    <a:schemeClr val="dk1">
-                      <a:alpha val="40000"/>
-                    </a:schemeClr>
-                  </a:outerShdw>
-                </a:effectLst>
-              </a:rPr>
-              <a:t>   </a:t>
-            </a:r>
-            <a:r>
-              <a:rPr lang="en-US" altLang="ko-KR" sz="1600" spc="-150" dirty="0">
-                <a:ln w="0"/>
-                <a:effectLst>
-                  <a:outerShdw blurRad="38100" dist="19050" dir="2700000" algn="tl" rotWithShape="0">
-                    <a:schemeClr val="dk1">
-                      <a:alpha val="40000"/>
-                    </a:schemeClr>
-                  </a:outerShdw>
-                </a:effectLst>
-              </a:rPr>
-              <a:t>modules</a:t>
-            </a:r>
-          </a:p>
-          <a:p>
-            <a:r>
-              <a:rPr lang="en-US" altLang="ko-KR" sz="1600" spc="-150" dirty="0">
-                <a:ln w="0"/>
-                <a:effectLst>
-                  <a:outerShdw blurRad="38100" dist="19050" dir="2700000" algn="tl" rotWithShape="0">
-                    <a:schemeClr val="dk1">
-                      <a:alpha val="40000"/>
-                    </a:schemeClr>
-                  </a:outerShdw>
-                </a:effectLst>
-              </a:rPr>
-              <a:t>    </a:t>
-            </a:r>
-            <a:r>
-              <a:rPr lang="ko-KR" altLang="en-US" sz="1600" spc="-150" dirty="0">
-                <a:ln w="0"/>
-                <a:effectLst>
-                  <a:outerShdw blurRad="38100" dist="19050" dir="2700000" algn="tl" rotWithShape="0">
-                    <a:schemeClr val="dk1">
-                      <a:alpha val="40000"/>
-                    </a:schemeClr>
-                  </a:outerShdw>
-                </a:effectLst>
-              </a:rPr>
-              <a:t>모든 파일은 </a:t>
-            </a:r>
-            <a:r>
-              <a:rPr lang="ko-KR" altLang="en-US" sz="1600" spc="-150" dirty="0" err="1">
-                <a:ln w="0"/>
-                <a:effectLst>
-                  <a:outerShdw blurRad="38100" dist="19050" dir="2700000" algn="tl" rotWithShape="0">
-                    <a:schemeClr val="dk1">
-                      <a:alpha val="40000"/>
-                    </a:schemeClr>
-                  </a:outerShdw>
-                </a:effectLst>
-              </a:rPr>
-              <a:t>라이센스</a:t>
-            </a:r>
-            <a:r>
-              <a:rPr lang="ko-KR" altLang="en-US" sz="1600" spc="-150" dirty="0">
-                <a:ln w="0"/>
-                <a:effectLst>
-                  <a:outerShdw blurRad="38100" dist="19050" dir="2700000" algn="tl" rotWithShape="0">
-                    <a:schemeClr val="dk1">
-                      <a:alpha val="40000"/>
-                    </a:schemeClr>
-                  </a:outerShdw>
-                </a:effectLst>
-              </a:rPr>
               <a:t> 정보를 가지고 </a:t>
             </a:r>
             <a:r>
-              <a:rPr lang="ko-KR" altLang="en-US" sz="1600" spc="-150" dirty="0" err="1">
+              <a:rPr lang="ko-KR" altLang="en-US" sz="1600" spc="-150" dirty="0" err="1" smtClean="0">
                 <a:ln w="0"/>
                 <a:effectLst>
                   <a:outerShdw blurRad="38100" dist="19050" dir="2700000" algn="tl" rotWithShape="0">
@@ -31779,7 +31683,7 @@
             <a:blip r:embed="rId3" cstate="print">
               <a:extLst>
                 <a:ext uri="{28A0092B-C50C-407E-A947-70E740481C1C}">
-                  <a14:useLocalDpi xmlns:a14="http://schemas.microsoft.com/office/drawing/2010/main" val="0"/>
+                  <a14:useLocalDpi xmlns="" xmlns:a14="http://schemas.microsoft.com/office/drawing/2010/main" val="0"/>
                 </a:ext>
               </a:extLst>
             </a:blip>
@@ -31799,7 +31703,7 @@
             <a:noFill/>
             <a:extLst>
               <a:ext uri="{909E8E84-426E-40DD-AFC4-6F175D3DCCD1}">
-                <a14:hiddenFill xmlns:a14="http://schemas.microsoft.com/office/drawing/2010/main">
+                <a14:hiddenFill xmlns="" xmlns:a14="http://schemas.microsoft.com/office/drawing/2010/main">
                   <a:solidFill>
                     <a:srgbClr val="FFFFFF"/>
                   </a:solidFill>
@@ -32357,7 +32261,7 @@
     </p:spTree>
     <p:extLst>
       <p:ext uri="{BB962C8B-B14F-4D97-AF65-F5344CB8AC3E}">
-        <p14:creationId xmlns:p14="http://schemas.microsoft.com/office/powerpoint/2010/main" val="1223178625"/>
+        <p14:creationId xmlns="" xmlns:p14="http://schemas.microsoft.com/office/powerpoint/2010/main" val="1223178625"/>
       </p:ext>
     </p:extLst>
   </p:cSld>
@@ -33071,20 +32975,20 @@
                   </a:outerShdw>
                 </a:effectLst>
               </a:rPr>
-              <a:t>함수가 </a:t>
-            </a:r>
-            <a:r>
-              <a:rPr lang="ko-KR" altLang="en-US" sz="1600" spc="-150" dirty="0" err="1" smtClean="0">
-                <a:ln w="0"/>
-                <a:effectLst>
-                  <a:outerShdw blurRad="38100" dist="19050" dir="2700000" algn="tl" rotWithShape="0">
-                    <a:schemeClr val="dk1">
-                      <a:alpha val="40000"/>
-                    </a:schemeClr>
-                  </a:outerShdw>
-                </a:effectLst>
-              </a:rPr>
-              <a:t>실행중</a:t>
+              <a:t>함수가 실행 중 </a:t>
+            </a:r>
+            <a:r>
+              <a:rPr lang="en-US" altLang="ko-KR" sz="1600" spc="-150" dirty="0" smtClean="0">
+                <a:ln w="0"/>
+                <a:effectLst>
+                  <a:outerShdw blurRad="38100" dist="19050" dir="2700000" algn="tl" rotWithShape="0">
+                    <a:schemeClr val="dk1">
+                      <a:alpha val="40000"/>
+                    </a:schemeClr>
+                  </a:outerShdw>
+                </a:effectLst>
+              </a:rPr>
+              <a:t>yield</a:t>
             </a:r>
             <a:r>
               <a:rPr lang="ko-KR" altLang="en-US" sz="1600" spc="-150" dirty="0" smtClean="0">
@@ -33097,7 +33001,7 @@
                   </a:outerShdw>
                 </a:effectLst>
               </a:rPr>
-              <a:t> </a:t>
+              <a:t>를 만날 경우</a:t>
             </a:r>
             <a:r>
               <a:rPr lang="en-US" altLang="ko-KR" sz="1600" spc="-150" dirty="0" smtClean="0">
@@ -33110,7 +33014,7 @@
                   </a:outerShdw>
                 </a:effectLst>
               </a:rPr>
-              <a:t>yield</a:t>
+              <a:t>, </a:t>
             </a:r>
             <a:r>
               <a:rPr lang="ko-KR" altLang="en-US" sz="1600" spc="-150" dirty="0" smtClean="0">
@@ -33123,46 +33027,7 @@
                   </a:outerShdw>
                 </a:effectLst>
               </a:rPr>
-              <a:t>를 만날 경우</a:t>
-            </a:r>
-            <a:r>
-              <a:rPr lang="en-US" altLang="ko-KR" sz="1600" spc="-150" dirty="0" smtClean="0">
-                <a:ln w="0"/>
-                <a:effectLst>
-                  <a:outerShdw blurRad="38100" dist="19050" dir="2700000" algn="tl" rotWithShape="0">
-                    <a:schemeClr val="dk1">
-                      <a:alpha val="40000"/>
-                    </a:schemeClr>
-                  </a:outerShdw>
-                </a:effectLst>
-              </a:rPr>
-              <a:t>, </a:t>
-            </a:r>
-            <a:r>
-              <a:rPr lang="ko-KR" altLang="en-US" sz="1600" spc="-150" dirty="0" smtClean="0">
-                <a:ln w="0"/>
-                <a:effectLst>
-                  <a:outerShdw blurRad="38100" dist="19050" dir="2700000" algn="tl" rotWithShape="0">
-                    <a:schemeClr val="dk1">
-                      <a:alpha val="40000"/>
-                    </a:schemeClr>
-                  </a:outerShdw>
-                </a:effectLst>
-              </a:rPr>
-              <a:t>해당 함수는 그 상태로 </a:t>
-            </a:r>
-            <a:r>
-              <a:rPr lang="ko-KR" altLang="en-US" sz="1600" spc="-150" dirty="0" err="1" smtClean="0">
-                <a:ln w="0"/>
-                <a:effectLst>
-                  <a:outerShdw blurRad="38100" dist="19050" dir="2700000" algn="tl" rotWithShape="0">
-                    <a:schemeClr val="dk1">
-                      <a:alpha val="40000"/>
-                    </a:schemeClr>
-                  </a:outerShdw>
-                </a:effectLst>
-              </a:rPr>
-              <a:t>일시정지되며</a:t>
+              <a:t>해당 함수는 그 상태로 일시 정지되며</a:t>
             </a:r>
             <a:r>
               <a:rPr lang="en-US" altLang="ko-KR" sz="1600" spc="-150" dirty="0" smtClean="0">
@@ -33433,7 +33298,7 @@
               <a:t>1. </a:t>
             </a:r>
             <a:r>
-              <a:rPr lang="ko-KR" altLang="en-US" sz="1600" spc="-150" dirty="0" err="1" smtClean="0">
+              <a:rPr lang="ko-KR" altLang="en-US" sz="1600" spc="-150" dirty="0" smtClean="0">
                 <a:ln w="0"/>
                 <a:effectLst>
                   <a:outerShdw blurRad="38100" dist="19050" dir="2700000" algn="tl" rotWithShape="0">
@@ -33444,7 +33309,7 @@
                 </a:effectLst>
                 <a:ea typeface="맑은 고딕" panose="020B0503020000020004" pitchFamily="50" charset="-127"/>
               </a:rPr>
-              <a:t>반복연산시</a:t>
+              <a:t>반복연산 시</a:t>
             </a:r>
             <a:r>
               <a:rPr lang="en-US" altLang="ko-KR" sz="1600" spc="-150" dirty="0" smtClean="0">
@@ -33999,7 +33864,7 @@
             <a:blip r:embed="rId6" cstate="print">
               <a:extLst>
                 <a:ext uri="{28A0092B-C50C-407E-A947-70E740481C1C}">
-                  <a14:useLocalDpi xmlns:a14="http://schemas.microsoft.com/office/drawing/2010/main" val="0"/>
+                  <a14:useLocalDpi xmlns="" xmlns:a14="http://schemas.microsoft.com/office/drawing/2010/main" val="0"/>
                 </a:ext>
               </a:extLst>
             </a:blip>
@@ -34019,7 +33884,7 @@
             <a:noFill/>
             <a:extLst>
               <a:ext uri="{909E8E84-426E-40DD-AFC4-6F175D3DCCD1}">
-                <a14:hiddenFill xmlns:a14="http://schemas.microsoft.com/office/drawing/2010/main">
+                <a14:hiddenFill xmlns="" xmlns:a14="http://schemas.microsoft.com/office/drawing/2010/main">
                   <a:solidFill>
                     <a:srgbClr val="FFFFFF"/>
                   </a:solidFill>
@@ -34079,7 +33944,7 @@
     </p:spTree>
     <p:extLst>
       <p:ext uri="{BB962C8B-B14F-4D97-AF65-F5344CB8AC3E}">
-        <p14:creationId xmlns:p14="http://schemas.microsoft.com/office/powerpoint/2010/main" val="152455696"/>
+        <p14:creationId xmlns="" xmlns:p14="http://schemas.microsoft.com/office/powerpoint/2010/main" val="152455696"/>
       </p:ext>
     </p:extLst>
   </p:cSld>
